--- a/help/data-sheets/assets/DMeBusinessSupportDatasheet_2022.pptx
+++ b/help/data-sheets/assets/DMeBusinessSupportDatasheet_2022.pptx
@@ -270,6 +270,30 @@
     </pc:docChg>
   </pc:docChgLst>
   <pc:docChgLst>
+    <pc:chgData name="Jaclyn Zalesky" userId="S::zalesky@adobe.com::9c0b24b4-6ad7-45a7-a9a0-5ba404afed22" providerId="AD" clId="Web-{230F0D56-C414-F2B7-15F9-451AF6576368}"/>
+    <pc:docChg chg="mod modSld">
+      <pc:chgData name="Jaclyn Zalesky" userId="S::zalesky@adobe.com::9c0b24b4-6ad7-45a7-a9a0-5ba404afed22" providerId="AD" clId="Web-{230F0D56-C414-F2B7-15F9-451AF6576368}" dt="2022-02-10T15:57:01.008" v="107"/>
+      <pc:docMkLst>
+        <pc:docMk/>
+      </pc:docMkLst>
+      <pc:sldChg chg="modSp modCm">
+        <pc:chgData name="Jaclyn Zalesky" userId="S::zalesky@adobe.com::9c0b24b4-6ad7-45a7-a9a0-5ba404afed22" providerId="AD" clId="Web-{230F0D56-C414-F2B7-15F9-451AF6576368}" dt="2022-02-10T15:57:01.008" v="107"/>
+        <pc:sldMkLst>
+          <pc:docMk/>
+          <pc:sldMk cId="1050037809" sldId="261"/>
+        </pc:sldMkLst>
+        <pc:graphicFrameChg chg="mod modGraphic">
+          <ac:chgData name="Jaclyn Zalesky" userId="S::zalesky@adobe.com::9c0b24b4-6ad7-45a7-a9a0-5ba404afed22" providerId="AD" clId="Web-{230F0D56-C414-F2B7-15F9-451AF6576368}" dt="2022-02-10T15:56:55.836" v="105"/>
+          <ac:graphicFrameMkLst>
+            <pc:docMk/>
+            <pc:sldMk cId="1050037809" sldId="261"/>
+            <ac:graphicFrameMk id="21" creationId="{776EB197-58B6-794D-94F8-90888006EC22}"/>
+          </ac:graphicFrameMkLst>
+        </pc:graphicFrameChg>
+      </pc:sldChg>
+    </pc:docChg>
+  </pc:docChgLst>
+  <pc:docChgLst>
     <pc:chgData name="Jaclyn Zalesky" userId="S::zalesky@adobe.com::9c0b24b4-6ad7-45a7-a9a0-5ba404afed22" providerId="AD" clId="Web-{C9A7A18E-2CD6-D60F-0EAE-ADB272FCFFDF}"/>
     <pc:docChg chg="modSld">
       <pc:chgData name="Jaclyn Zalesky" userId="S::zalesky@adobe.com::9c0b24b4-6ad7-45a7-a9a0-5ba404afed22" providerId="AD" clId="Web-{C9A7A18E-2CD6-D60F-0EAE-ADB272FCFFDF}" dt="2022-03-04T01:00:42.113" v="1"/>
@@ -288,30 +312,6 @@
             <pc:docMk/>
             <pc:sldMk cId="0" sldId="256"/>
             <ac:graphicFrameMk id="11" creationId="{3AC7AEA2-E7A4-BD48-80EA-856168E207F6}"/>
-          </ac:graphicFrameMkLst>
-        </pc:graphicFrameChg>
-      </pc:sldChg>
-    </pc:docChg>
-  </pc:docChgLst>
-  <pc:docChgLst>
-    <pc:chgData name="Jaclyn Zalesky" userId="S::zalesky@adobe.com::9c0b24b4-6ad7-45a7-a9a0-5ba404afed22" providerId="AD" clId="Web-{230F0D56-C414-F2B7-15F9-451AF6576368}"/>
-    <pc:docChg chg="mod modSld">
-      <pc:chgData name="Jaclyn Zalesky" userId="S::zalesky@adobe.com::9c0b24b4-6ad7-45a7-a9a0-5ba404afed22" providerId="AD" clId="Web-{230F0D56-C414-F2B7-15F9-451AF6576368}" dt="2022-02-10T15:57:01.008" v="107"/>
-      <pc:docMkLst>
-        <pc:docMk/>
-      </pc:docMkLst>
-      <pc:sldChg chg="modSp modCm">
-        <pc:chgData name="Jaclyn Zalesky" userId="S::zalesky@adobe.com::9c0b24b4-6ad7-45a7-a9a0-5ba404afed22" providerId="AD" clId="Web-{230F0D56-C414-F2B7-15F9-451AF6576368}" dt="2022-02-10T15:57:01.008" v="107"/>
-        <pc:sldMkLst>
-          <pc:docMk/>
-          <pc:sldMk cId="1050037809" sldId="261"/>
-        </pc:sldMkLst>
-        <pc:graphicFrameChg chg="mod modGraphic">
-          <ac:chgData name="Jaclyn Zalesky" userId="S::zalesky@adobe.com::9c0b24b4-6ad7-45a7-a9a0-5ba404afed22" providerId="AD" clId="Web-{230F0D56-C414-F2B7-15F9-451AF6576368}" dt="2022-02-10T15:56:55.836" v="105"/>
-          <ac:graphicFrameMkLst>
-            <pc:docMk/>
-            <pc:sldMk cId="1050037809" sldId="261"/>
-            <ac:graphicFrameMk id="21" creationId="{776EB197-58B6-794D-94F8-90888006EC22}"/>
           </ac:graphicFrameMkLst>
         </pc:graphicFrameChg>
       </pc:sldChg>
@@ -549,7 +549,7 @@
           <a:p>
             <a:fld id="{FB81873C-0B24-F04A-98A1-90E0A78F7E8A}" type="datetimeFigureOut">
               <a:rPr lang="en-US" smtClean="0"/>
-              <a:t>3/3/2022</a:t>
+              <a:t>3/24/22</a:t>
             </a:fld>
             <a:endParaRPr lang="en-US"/>
           </a:p>
@@ -1172,7 +1172,7 @@
           <a:p>
             <a:fld id="{1D8BD707-D9CF-40AE-B4C6-C98DA3205C09}" type="datetimeFigureOut">
               <a:rPr lang="en-US"/>
-              <a:t>3/3/2022</a:t>
+              <a:t>3/24/22</a:t>
             </a:fld>
             <a:endParaRPr lang="en-US"/>
           </a:p>
@@ -1334,7 +1334,7 @@
           <a:p>
             <a:fld id="{1D8BD707-D9CF-40AE-B4C6-C98DA3205C09}" type="datetimeFigureOut">
               <a:rPr lang="en-US"/>
-              <a:t>3/3/2022</a:t>
+              <a:t>3/24/22</a:t>
             </a:fld>
             <a:endParaRPr lang="en-US"/>
           </a:p>
@@ -1652,7 +1652,7 @@
           <a:p>
             <a:fld id="{1D8BD707-D9CF-40AE-B4C6-C98DA3205C09}" type="datetimeFigureOut">
               <a:rPr lang="en-US"/>
-              <a:t>3/3/2022</a:t>
+              <a:t>3/24/22</a:t>
             </a:fld>
             <a:endParaRPr lang="en-US"/>
           </a:p>
@@ -1898,7 +1898,7 @@
               </a:spcBef>
             </a:pPr>
             <a:r>
-              <a:rPr sz="1400" b="1" u="heavy" spc="10" dirty="0">
+              <a:rPr lang="ja-jp" sz="1400" b="1" u="heavy" spc="10" dirty="0">
                 <a:solidFill>
                   <a:srgbClr val="020302"/>
                 </a:solidFill>
@@ -1910,10 +1910,10 @@
                 <a:latin typeface="Adobe Clean"/>
                 <a:cs typeface="Adobe Clean"/>
               </a:rPr>
-              <a:t>Service </a:t>
-            </a:r>
-            <a:r>
-              <a:rPr sz="1400" b="1" u="heavy" spc="-10" dirty="0">
+              <a:t>서비스 </a:t>
+            </a:r>
+            <a:r>
+              <a:rPr lang="ja-jp" sz="1400" b="1" u="heavy" spc="-10" dirty="0">
                 <a:solidFill>
                   <a:srgbClr val="020302"/>
                 </a:solidFill>
@@ -1925,10 +1925,10 @@
                 <a:latin typeface="Adobe Clean"/>
                 <a:cs typeface="Adobe Clean"/>
               </a:rPr>
-              <a:t>Level </a:t>
-            </a:r>
-            <a:r>
-              <a:rPr sz="1400" b="1" u="heavy" spc="-45" dirty="0">
+              <a:t>수준 </a:t>
+            </a:r>
+            <a:r>
+              <a:rPr lang="ja-jp" sz="1400" b="1" u="heavy" spc="-45" dirty="0">
                 <a:solidFill>
                   <a:srgbClr val="020302"/>
                 </a:solidFill>
@@ -1940,10 +1940,10 @@
                 <a:latin typeface="Adobe Clean"/>
                 <a:cs typeface="Adobe Clean"/>
               </a:rPr>
-              <a:t>Targets: </a:t>
-            </a:r>
-            <a:r>
-              <a:rPr sz="1400" b="1" u="heavy" spc="-10" dirty="0">
+              <a:t>목표: </a:t>
+            </a:r>
+            <a:r>
+              <a:rPr lang="ja-jp" sz="1400" b="1" u="heavy" spc="-10" dirty="0">
                 <a:solidFill>
                   <a:srgbClr val="020302"/>
                 </a:solidFill>
@@ -1955,10 +1955,10 @@
                 <a:latin typeface="Adobe Clean"/>
                 <a:cs typeface="Adobe Clean"/>
               </a:rPr>
-              <a:t>Initial</a:t>
-            </a:r>
-            <a:r>
-              <a:rPr sz="1400" b="1" u="heavy" spc="-140" dirty="0">
+              <a:t>초기</a:t>
+            </a:r>
+            <a:r>
+              <a:rPr lang="ja-jp" sz="1400" b="1" u="heavy" spc="-140" dirty="0">
                 <a:solidFill>
                   <a:srgbClr val="020302"/>
                 </a:solidFill>
@@ -1973,7 +1973,7 @@
               <a:t> </a:t>
             </a:r>
             <a:r>
-              <a:rPr sz="1400" b="1" u="heavy" spc="-15" dirty="0">
+              <a:rPr lang="ja-jp" sz="1400" b="1" u="heavy" spc="-15" dirty="0">
                 <a:solidFill>
                   <a:srgbClr val="020302"/>
                 </a:solidFill>
@@ -1985,7 +1985,7 @@
                 <a:latin typeface="Adobe Clean"/>
                 <a:cs typeface="Adobe Clean"/>
               </a:rPr>
-              <a:t>Response</a:t>
+              <a:t>대응</a:t>
             </a:r>
             <a:endParaRPr sz="1400" dirty="0">
               <a:latin typeface="Adobe Clean"/>
@@ -2057,16 +2057,10 @@
               </a:spcBef>
             </a:pPr>
             <a:r>
-              <a:rPr sz="2300" dirty="0">
+              <a:rPr lang="ja-jp" sz="2300" dirty="0">
                 <a:latin typeface="Adobe Clean" panose="020B0503020404020204" pitchFamily="34" charset="0"/>
               </a:rPr>
-              <a:t>ADOBE </a:t>
-            </a:r>
-            <a:r>
-              <a:rPr lang="en-US" sz="2300" dirty="0">
-                <a:latin typeface="Adobe Clean" panose="020B0503020404020204" pitchFamily="34" charset="0"/>
-              </a:rPr>
-              <a:t>SUPPORT PLANS</a:t>
+              <a:t>ADOBE 지원 플랜</a:t>
             </a:r>
             <a:endParaRPr sz="2300" dirty="0">
               <a:latin typeface="Adobe Clean" panose="020B0503020404020204" pitchFamily="34" charset="0"/>
@@ -2104,31 +2098,31 @@
               </a:spcBef>
             </a:pPr>
             <a:r>
-              <a:rPr lang="en-US" sz="1200" dirty="0">
+              <a:rPr lang="ja-jp" sz="1200" dirty="0">
                 <a:solidFill>
                   <a:schemeClr val="bg1"/>
                 </a:solidFill>
                 <a:latin typeface="Adobe Clean Light" panose="020B0303020404020204" pitchFamily="34" charset="0"/>
               </a:rPr>
-              <a:t>Standard | </a:t>
-            </a:r>
-            <a:r>
-              <a:rPr lang="en-US" sz="1200" b="1" dirty="0">
+              <a:t>표준 | </a:t>
+            </a:r>
+            <a:r>
+              <a:rPr lang="ja-jp" sz="1200" b="1" dirty="0">
                 <a:solidFill>
                   <a:schemeClr val="bg1"/>
                 </a:solidFill>
                 <a:latin typeface="Adobe Clean" panose="020B0503020404020204" pitchFamily="34" charset="0"/>
               </a:rPr>
-              <a:t>Business</a:t>
-            </a:r>
-            <a:r>
-              <a:rPr lang="en-US" sz="1200" dirty="0">
+              <a:t>비즈니스</a:t>
+            </a:r>
+            <a:r>
+              <a:rPr lang="ja-jp" sz="1200" dirty="0">
                 <a:solidFill>
                   <a:schemeClr val="bg1"/>
                 </a:solidFill>
                 <a:latin typeface="Adobe Clean Light" panose="020B0303020404020204" pitchFamily="34" charset="0"/>
               </a:rPr>
-              <a:t> | Enterprise | Elite</a:t>
+              <a:t> | 엔터프라이즈 | 엘리트</a:t>
             </a:r>
           </a:p>
           <a:p>
@@ -2141,13 +2135,13 @@
               </a:spcBef>
             </a:pPr>
             <a:r>
-              <a:rPr lang="en-US" sz="1000" dirty="0">
+              <a:rPr lang="ja-jp" sz="1000" dirty="0">
                 <a:solidFill>
                   <a:schemeClr val="bg1"/>
                 </a:solidFill>
                 <a:latin typeface="Adobe Clean SemiLight"/>
               </a:rPr>
-              <a:t>Adobe provides a comprehensive range of technical resources to help support your business included as part of your Adobe enterprise subscription. This is enhanced with the BUSINESS support plan. BUSINESS support includes priority routing  for support cases to ensure faster connection to more senior support resources on submitted cases. BUSINESS customers also benefit from access to our technical support teams for any product query via either the telephone or the support web portal, to help protect your business at the most critical times. BUSINESS customers will be able to leverage their Account Support Lead for support case escalation management to receive regular communications and updates for your most critical of support requests.</a:t>
+              <a:t>Adobe는 Adobe 엔터프라이즈 구독의 일부로 포함된 비즈니스를 지원하는 데 도움이 되는 포괄적인 기술 리소스를 제공합니다.비즈니스 지원 플랜으로 향상되었습니다.비즈니스 지원에는 지원 사례에 대한 우선 순위 라우팅이 포함되며, 이를 통해 제출된 사례에 대한 고급 지원 리소스에 보다 빠르게 연결할 수 있습니다.비즈니스 고객은 또한 전화나 지원 웹 포털을 통해 제품 쿼리에 대한 기술 지원 팀의 서비스를 이용하여 가장 중요한 시기에 비즈니스를 보호할 수 있습니다.비즈니스 고객은 지원 사례 에스컬레이션 관리를 위한 계정 지원 리드를 활용하여 가장 중요한 지원 요청에 대한 정기적인 커뮤니케이션 및 업데이트를 받을 수 있습니다.</a:t>
             </a:r>
             <a:endParaRPr lang="en-US" sz="1000" dirty="0">
               <a:solidFill>
@@ -2292,17 +2286,17 @@
                         <a:defRPr/>
                       </a:pPr>
                       <a:r>
-                        <a:rPr lang="en-US" sz="1200" spc="-20" dirty="0">
+                        <a:rPr lang="ja-jp" sz="1200" spc="-20" dirty="0">
                           <a:solidFill>
                             <a:srgbClr val="404040"/>
                           </a:solidFill>
                           <a:latin typeface="Adobe Clean"/>
                           <a:cs typeface="Adobe Clean"/>
                         </a:rPr>
-                        <a:t>Standard </a:t>
+                        <a:t>표준 </a:t>
                       </a:r>
                       <a:r>
-                        <a:rPr lang="en-US" sz="1200" spc="-135" dirty="0">
+                        <a:rPr lang="ja-jp" sz="1200" spc="-135" dirty="0">
                           <a:solidFill>
                             <a:srgbClr val="404040"/>
                           </a:solidFill>
@@ -2312,14 +2306,14 @@
                         <a:t> </a:t>
                       </a:r>
                       <a:r>
-                        <a:rPr lang="en-US" sz="1200" spc="-20" dirty="0">
+                        <a:rPr lang="ja-jp" sz="1200" spc="-20" dirty="0">
                           <a:solidFill>
                             <a:srgbClr val="404040"/>
                           </a:solidFill>
                           <a:latin typeface="Adobe Clean"/>
                           <a:cs typeface="Adobe Clean"/>
                         </a:rPr>
-                        <a:t>Support</a:t>
+                        <a:t>지원</a:t>
                       </a:r>
                       <a:endParaRPr lang="en-US" sz="1200" dirty="0">
                         <a:latin typeface="Adobe Clean"/>
@@ -2365,34 +2359,14 @@
                         </a:spcBef>
                       </a:pPr>
                       <a:r>
-                        <a:rPr sz="1200" spc="-20" dirty="0">
+                        <a:rPr lang="ja-jp" sz="1200" spc="-20" dirty="0">
                           <a:solidFill>
                             <a:srgbClr val="FFFFFF"/>
                           </a:solidFill>
                           <a:latin typeface="Adobe Clean"/>
                           <a:cs typeface="Adobe Clean"/>
                         </a:rPr>
-                        <a:t>Business</a:t>
-                      </a:r>
-                      <a:r>
-                        <a:rPr lang="en-US" sz="1200" spc="-20" dirty="0">
-                          <a:solidFill>
-                            <a:srgbClr val="FFFFFF"/>
-                          </a:solidFill>
-                          <a:latin typeface="Adobe Clean"/>
-                          <a:cs typeface="Adobe Clean"/>
-                        </a:rPr>
-                        <a:t> </a:t>
-                      </a:r>
-                      <a:r>
-                        <a:rPr sz="1200" spc="-20" dirty="0">
-                          <a:solidFill>
-                            <a:srgbClr val="FFFFFF"/>
-                          </a:solidFill>
-                          <a:latin typeface="Adobe Clean"/>
-                          <a:cs typeface="Adobe Clean"/>
-                        </a:rPr>
-                        <a:t>Support</a:t>
+                        <a:t>비즈니스 지원</a:t>
                       </a:r>
                       <a:endParaRPr sz="1200" dirty="0">
                         <a:latin typeface="Adobe Clean"/>
@@ -2543,13 +2517,13 @@
                         <a:defRPr/>
                       </a:pPr>
                       <a:r>
-                        <a:rPr lang="en-US" sz="1200" b="1" i="1" dirty="0">
+                        <a:rPr lang="ja-jp" sz="1200" b="1" i="1" dirty="0">
                           <a:solidFill>
                             <a:schemeClr val="bg1"/>
                           </a:solidFill>
                           <a:latin typeface="Adobe Clean" panose="020B0503020404020204" pitchFamily="34" charset="0"/>
                         </a:rPr>
-                        <a:t>Paid Support ($)</a:t>
+                        <a:t>유료 지원($)</a:t>
                       </a:r>
                     </a:p>
                   </a:txBody>
@@ -2613,14 +2587,14 @@
                         </a:spcBef>
                       </a:pPr>
                       <a:r>
-                        <a:rPr lang="en-US" sz="1200" b="1" i="0" spc="0" dirty="0">
+                        <a:rPr lang="ja-jp" sz="1200" b="1" i="0" spc="0" dirty="0">
                           <a:solidFill>
                             <a:schemeClr val="bg1"/>
                           </a:solidFill>
                           <a:latin typeface="Adobe Clean"/>
                           <a:cs typeface="AdobeClean-Light"/>
                         </a:rPr>
-                        <a:t>Assigned Experts</a:t>
+                        <a:t>할당된 전문가</a:t>
                       </a:r>
                       <a:endParaRPr sz="1200" b="1" i="0" spc="0" dirty="0">
                         <a:solidFill>
@@ -2675,14 +2649,14 @@
                         </a:spcBef>
                       </a:pPr>
                       <a:r>
-                        <a:rPr sz="1100" b="0" i="0" spc="0" dirty="0">
+                        <a:rPr lang="ja-jp" sz="1100" b="0" i="0" spc="0" dirty="0">
                           <a:solidFill>
                             <a:srgbClr val="020302"/>
                           </a:solidFill>
                           <a:latin typeface="Adobe Clean Light" panose="020B0303020404020204" pitchFamily="34" charset="0"/>
                           <a:cs typeface="AdobeClean-Light"/>
                         </a:rPr>
-                        <a:t>Account Support Lead</a:t>
+                        <a:t>계정 지원 리드</a:t>
                       </a:r>
                       <a:endParaRPr sz="1100" b="0" i="0" spc="0" dirty="0">
                         <a:latin typeface="Adobe Clean Light" panose="020B0303020404020204" pitchFamily="34" charset="0"/>
@@ -2772,7 +2746,7 @@
                         </a:spcBef>
                       </a:pPr>
                       <a:r>
-                        <a:rPr sz="1200" dirty="0">
+                        <a:rPr lang="ja-jp" sz="1200" dirty="0">
                           <a:solidFill>
                             <a:srgbClr val="020302"/>
                           </a:solidFill>
@@ -2846,14 +2820,14 @@
                         </a:spcBef>
                       </a:pPr>
                       <a:r>
-                        <a:rPr sz="1100" b="0" i="0" spc="0" dirty="0">
+                        <a:rPr lang="ja-jp" sz="1100" b="0" i="0" spc="0" dirty="0">
                           <a:solidFill>
                             <a:srgbClr val="020302"/>
                           </a:solidFill>
                           <a:latin typeface="Adobe Clean Light" panose="020B0303020404020204" pitchFamily="34" charset="0"/>
                           <a:cs typeface="AdobeClean-Light"/>
                         </a:rPr>
-                        <a:t>Named Support Engineer</a:t>
+                        <a:t>지정 지원 엔지니어</a:t>
                       </a:r>
                       <a:endParaRPr sz="1100" b="0" i="0" spc="0" dirty="0">
                         <a:latin typeface="Adobe Clean Light" panose="020B0303020404020204" pitchFamily="34" charset="0"/>
@@ -2983,14 +2957,14 @@
                         </a:spcBef>
                       </a:pPr>
                       <a:r>
-                        <a:rPr sz="1100" b="0" i="0" spc="0" dirty="0">
+                        <a:rPr lang="ja-jp" sz="1100" b="0" i="0" spc="0" dirty="0">
                           <a:solidFill>
                             <a:srgbClr val="020302"/>
                           </a:solidFill>
                           <a:latin typeface="Adobe Clean Light" panose="020B0303020404020204" pitchFamily="34" charset="0"/>
                           <a:cs typeface="AdobeClean-Light"/>
                         </a:rPr>
-                        <a:t>Technical Account Manager</a:t>
+                        <a:t>기술 계정 관리자</a:t>
                       </a:r>
                       <a:endParaRPr sz="1100" b="0" i="0" spc="0" dirty="0">
                         <a:latin typeface="Adobe Clean Light" panose="020B0303020404020204" pitchFamily="34" charset="0"/>
@@ -3126,14 +3100,14 @@
                         </a:spcBef>
                       </a:pPr>
                       <a:r>
-                        <a:rPr lang="en-US" sz="1200" b="1" i="0" spc="0" dirty="0">
+                        <a:rPr lang="ja-jp" sz="1200" b="1" i="0" spc="0" dirty="0">
                           <a:solidFill>
                             <a:schemeClr val="bg1"/>
                           </a:solidFill>
                           <a:latin typeface="Adobe Clean" panose="020B0503020404020204" pitchFamily="34" charset="0"/>
                           <a:cs typeface="AdobeClean-Light"/>
                         </a:rPr>
-                        <a:t>Support Services</a:t>
+                        <a:t>지원 서비스</a:t>
                       </a:r>
                       <a:endParaRPr sz="1200" b="1" i="0" spc="0" dirty="0">
                         <a:solidFill>
@@ -3191,14 +3165,14 @@
                         </a:spcBef>
                       </a:pPr>
                       <a:r>
-                        <a:rPr lang="en-US" sz="1100" b="0" i="0" spc="0" dirty="0">
+                        <a:rPr lang="ja-jp" sz="1100" b="0" i="0" spc="0" dirty="0">
                           <a:solidFill>
                             <a:srgbClr val="020302"/>
                           </a:solidFill>
                           <a:latin typeface="Adobe Clean Light" panose="020B0303020404020204" pitchFamily="34" charset="0"/>
                           <a:cs typeface="AdobeClean-Light"/>
                         </a:rPr>
-                        <a:t>24x7 Self-Help Support </a:t>
+                        <a:t>24x7 자가 진단 지원 </a:t>
                       </a:r>
                       <a:endParaRPr lang="en-US" sz="1100" b="0" i="0" spc="0" dirty="0">
                         <a:latin typeface="Adobe Clean Light" panose="020B0303020404020204" pitchFamily="34" charset="0"/>
@@ -3247,7 +3221,7 @@
                         </a:spcBef>
                       </a:pPr>
                       <a:r>
-                        <a:rPr sz="1200" dirty="0">
+                        <a:rPr lang="ja-jp" sz="1200" dirty="0">
                           <a:solidFill>
                             <a:srgbClr val="020302"/>
                           </a:solidFill>
@@ -3298,7 +3272,7 @@
                         </a:spcBef>
                       </a:pPr>
                       <a:r>
-                        <a:rPr sz="1200" dirty="0">
+                        <a:rPr lang="ja-jp" sz="1200" dirty="0">
                           <a:solidFill>
                             <a:srgbClr val="020302"/>
                           </a:solidFill>
@@ -3400,14 +3374,14 @@
                         </a:spcBef>
                       </a:pPr>
                       <a:r>
-                        <a:rPr lang="en-US" sz="1100" b="0" i="0" spc="0" dirty="0">
+                        <a:rPr lang="ja-jp" sz="1100" b="0" i="0" spc="0" dirty="0">
                           <a:solidFill>
                             <a:srgbClr val="020302"/>
                           </a:solidFill>
                           <a:latin typeface="Adobe Clean Light" panose="020B0303020404020204" pitchFamily="34" charset="0"/>
                           <a:cs typeface="AdobeClean-Light"/>
                         </a:rPr>
-                        <a:t>24x7 Support via Chat / Phone</a:t>
+                        <a:t>24x7 채팅/전화를 통한 지원</a:t>
                       </a:r>
                       <a:endParaRPr sz="1100" b="0" i="0" spc="0" dirty="0">
                         <a:latin typeface="Adobe Clean Light" panose="020B0303020404020204" pitchFamily="34" charset="0"/>
@@ -3454,7 +3428,7 @@
                         </a:spcBef>
                       </a:pPr>
                       <a:r>
-                        <a:rPr lang="en-US" sz="1200" dirty="0">
+                        <a:rPr lang="ja-jp" sz="1200" dirty="0">
                           <a:solidFill>
                             <a:srgbClr val="020302"/>
                           </a:solidFill>
@@ -3503,7 +3477,7 @@
                         </a:spcBef>
                       </a:pPr>
                       <a:r>
-                        <a:rPr sz="1200" dirty="0">
+                        <a:rPr lang="ja-jp" sz="1200" dirty="0">
                           <a:solidFill>
                             <a:srgbClr val="020302"/>
                           </a:solidFill>
@@ -3614,11 +3588,11 @@
                         </a:spcBef>
                       </a:pPr>
                       <a:r>
-                        <a:rPr lang="en-US" sz="1100" b="0" i="0" spc="0" dirty="0">
+                        <a:rPr lang="ja-jp" sz="1100" b="0" i="0" spc="0" dirty="0">
                           <a:latin typeface="Adobe Clean Light" panose="020B0303020404020204" pitchFamily="34" charset="0"/>
                           <a:cs typeface="AdobeClean-Light"/>
                         </a:rPr>
-                        <a:t>Web Case Submissions </a:t>
+                        <a:t>웹 사례 제출 </a:t>
                       </a:r>
                       <a:endParaRPr sz="1100" b="0" i="0" spc="0" dirty="0">
                         <a:latin typeface="Adobe Clean Light" panose="020B0303020404020204" pitchFamily="34" charset="0"/>
@@ -3665,7 +3639,7 @@
                         </a:spcBef>
                       </a:pPr>
                       <a:r>
-                        <a:rPr sz="1200" dirty="0">
+                        <a:rPr lang="ja-jp" sz="1200" dirty="0">
                           <a:solidFill>
                             <a:srgbClr val="020302"/>
                           </a:solidFill>
@@ -3714,7 +3688,7 @@
                         </a:spcBef>
                       </a:pPr>
                       <a:r>
-                        <a:rPr lang="en-US" sz="1200" dirty="0">
+                        <a:rPr lang="ja-jp" sz="1200" dirty="0">
                           <a:solidFill>
                             <a:srgbClr val="020302"/>
                           </a:solidFill>
@@ -3807,14 +3781,14 @@
                         </a:spcBef>
                       </a:pPr>
                       <a:r>
-                        <a:rPr lang="en-US" sz="1100" b="0" i="0" spc="0" dirty="0">
+                        <a:rPr lang="ja-jp" sz="1100" b="0" i="0" spc="0" dirty="0">
                           <a:solidFill>
                             <a:srgbClr val="020302"/>
                           </a:solidFill>
                           <a:latin typeface="Adobe Clean Light" panose="020B0303020404020204" pitchFamily="34" charset="0"/>
                           <a:cs typeface="AdobeClean-Light"/>
                         </a:rPr>
-                        <a:t>Priority Case Routing</a:t>
+                        <a:t>우선 순위 사례 라우팅</a:t>
                       </a:r>
                       <a:endParaRPr sz="1100" b="0" i="0" spc="0" dirty="0">
                         <a:latin typeface="Adobe Clean Light" panose="020B0303020404020204" pitchFamily="34" charset="0"/>
@@ -3892,7 +3866,7 @@
                         <a:defRPr/>
                       </a:pPr>
                       <a:r>
-                        <a:rPr lang="en-US" sz="1200" dirty="0">
+                        <a:rPr lang="ja-jp" sz="1200" dirty="0">
                           <a:solidFill>
                             <a:srgbClr val="020302"/>
                           </a:solidFill>
@@ -3994,11 +3968,11 @@
                         <a:defRPr/>
                       </a:pPr>
                       <a:r>
-                        <a:rPr lang="en-US" sz="1100" b="0" i="0" spc="0" dirty="0">
+                        <a:rPr lang="ja-jp" sz="1100" b="0" i="0" spc="0" dirty="0">
                           <a:latin typeface="Adobe Clean Light" panose="020B0303020404020204" pitchFamily="34" charset="0"/>
                           <a:cs typeface="AdobeClean-Light"/>
                         </a:rPr>
-                        <a:t>Accelerated Issue Prioritization</a:t>
+                        <a:t>가속화된 문제 우선 순위 지정</a:t>
                       </a:r>
                     </a:p>
                   </a:txBody>
@@ -4069,7 +4043,7 @@
                         </a:spcBef>
                       </a:pPr>
                       <a:r>
-                        <a:rPr lang="en-US" sz="1200" dirty="0">
+                        <a:rPr lang="ja-jp" sz="1200" dirty="0">
                           <a:solidFill>
                             <a:srgbClr val="020302"/>
                           </a:solidFill>
@@ -4142,11 +4116,11 @@
                         </a:spcBef>
                       </a:pPr>
                       <a:r>
-                        <a:rPr lang="en-US" sz="1100" b="0" i="0" spc="0" dirty="0">
+                        <a:rPr lang="ja-jp" sz="1100" b="0" i="0" spc="0" dirty="0">
                           <a:latin typeface="Adobe Clean Light" panose="020B0303020404020204" pitchFamily="34" charset="0"/>
                           <a:cs typeface="AdobeClean-Light"/>
                         </a:rPr>
-                        <a:t>Escalation Management</a:t>
+                        <a:t>에스컬레이션 관리</a:t>
                       </a:r>
                       <a:endParaRPr sz="1100" b="0" i="0" spc="0" dirty="0">
                         <a:latin typeface="Adobe Clean Light" panose="020B0303020404020204" pitchFamily="34" charset="0"/>
@@ -4224,7 +4198,7 @@
                         <a:defRPr/>
                       </a:pPr>
                       <a:r>
-                        <a:rPr lang="en-US" sz="1200" dirty="0">
+                        <a:rPr lang="ja-jp" sz="1200" dirty="0">
                           <a:solidFill>
                             <a:srgbClr val="020302"/>
                           </a:solidFill>
@@ -4297,11 +4271,11 @@
                         </a:spcBef>
                       </a:pPr>
                       <a:r>
-                        <a:rPr lang="en-US" sz="1100" b="0" i="0" spc="0" dirty="0">
+                        <a:rPr lang="ja-jp" sz="1100" b="0" i="0" spc="0" dirty="0">
                           <a:latin typeface="Adobe Clean Light" panose="020B0303020404020204" pitchFamily="34" charset="0"/>
                           <a:cs typeface="AdobeClean-Light"/>
                         </a:rPr>
-                        <a:t>Proactive Case Monitoring</a:t>
+                        <a:t>사전 사례 모니터링</a:t>
                       </a:r>
                       <a:endParaRPr sz="1100" b="0" i="0" spc="0" dirty="0">
                         <a:latin typeface="Adobe Clean Light" panose="020B0303020404020204" pitchFamily="34" charset="0"/>
@@ -4445,13 +4419,13 @@
                         <a:buNone/>
                       </a:pPr>
                       <a:r>
-                        <a:rPr lang="en-US" sz="1100" b="0" i="0" u="none" strike="noStrike" spc="0" noProof="0" dirty="0">
+                        <a:rPr lang="ja-jp" sz="1100" b="0" i="0" u="none" strike="noStrike" spc="0" noProof="0" dirty="0">
                           <a:solidFill>
                             <a:srgbClr val="020302"/>
                           </a:solidFill>
                           <a:latin typeface="Adobe Clean Light"/>
                         </a:rPr>
-                        <a:t>In-Region Support Option</a:t>
+                        <a:t>지역 지원 옵션</a:t>
                       </a:r>
                       <a:endParaRPr dirty="0"/>
                     </a:p>
@@ -4578,14 +4552,14 @@
                         </a:spcBef>
                       </a:pPr>
                       <a:r>
-                        <a:rPr lang="en-US" sz="1100" b="0" i="0" spc="0" dirty="0">
+                        <a:rPr lang="ja-jp" sz="1100" b="0" i="0" spc="0" dirty="0">
                           <a:solidFill>
                             <a:srgbClr val="020302"/>
                           </a:solidFill>
                           <a:latin typeface="Adobe Clean Light" panose="020B0303020404020204" pitchFamily="34" charset="0"/>
                           <a:cs typeface="AdobeClean-Light"/>
                         </a:rPr>
-                        <a:t>Service Reviews</a:t>
+                        <a:t>서비스 리뷰</a:t>
                       </a:r>
                       <a:endParaRPr sz="1100" b="0" i="0" spc="0" dirty="0">
                         <a:latin typeface="Adobe Clean Light" panose="020B0303020404020204" pitchFamily="34" charset="0"/>
@@ -4709,11 +4683,11 @@
                         </a:spcBef>
                       </a:pPr>
                       <a:r>
-                        <a:rPr lang="en-US" sz="1100" b="0" i="0" spc="0" dirty="0">
+                        <a:rPr lang="ja-jp" sz="1100" b="0" i="0" spc="0" dirty="0">
                           <a:latin typeface="Adobe Clean Light" panose="020B0303020404020204" pitchFamily="34" charset="0"/>
                           <a:cs typeface="AdobeClean-Light"/>
                         </a:rPr>
-                        <a:t>Case Reviews</a:t>
+                        <a:t>사례 검토</a:t>
                       </a:r>
                       <a:endParaRPr sz="1100" b="0" i="0" spc="0" dirty="0">
                         <a:latin typeface="Adobe Clean Light" panose="020B0303020404020204" pitchFamily="34" charset="0"/>
@@ -4863,11 +4837,11 @@
                         <a:defRPr/>
                       </a:pPr>
                       <a:r>
-                        <a:rPr lang="en-US" sz="1100" b="0" i="0" spc="0" dirty="0">
+                        <a:rPr lang="ja-jp" sz="1100" b="0" i="0" spc="0" dirty="0">
                           <a:latin typeface="Adobe Clean Light" panose="020B0303020404020204" pitchFamily="34" charset="0"/>
                           <a:cs typeface="AdobeClean-Light"/>
                         </a:rPr>
-                        <a:t>Solution Review</a:t>
+                        <a:t>솔루션 검토</a:t>
                       </a:r>
                     </a:p>
                   </a:txBody>
@@ -5004,11 +4978,11 @@
                         <a:defRPr/>
                       </a:pPr>
                       <a:r>
-                        <a:rPr lang="en-US" sz="1100" b="0" i="0" spc="0" dirty="0">
+                        <a:rPr lang="ja-jp" sz="1100" b="0" i="0" spc="0" dirty="0">
                           <a:latin typeface="Adobe Clean Light" panose="020B0303020404020204" pitchFamily="34" charset="0"/>
                           <a:cs typeface="AdobeClean-Light"/>
                         </a:rPr>
-                        <a:t>Roadmap Review </a:t>
+                        <a:t>로드맵 검토 </a:t>
                       </a:r>
                     </a:p>
                   </a:txBody>
@@ -5139,14 +5113,14 @@
                         <a:defRPr/>
                       </a:pPr>
                       <a:r>
-                        <a:rPr lang="en-US" sz="1100" b="0" i="0" spc="0" dirty="0">
+                        <a:rPr lang="ja-jp" sz="1100" b="0" i="0" spc="0" dirty="0">
                           <a:solidFill>
                             <a:srgbClr val="020302"/>
                           </a:solidFill>
                           <a:latin typeface="Adobe Clean Light" panose="020B0303020404020204" pitchFamily="34" charset="0"/>
                           <a:cs typeface="AdobeClean-Light"/>
                         </a:rPr>
-                        <a:t>Additional Named Support Contacts </a:t>
+                        <a:t>추가 지정 지원 담당자 </a:t>
                       </a:r>
                       <a:endParaRPr lang="en-US" sz="1100" b="0" i="0" spc="0" dirty="0">
                         <a:latin typeface="Adobe Clean Light" panose="020B0303020404020204" pitchFamily="34" charset="0"/>
@@ -5281,11 +5255,11 @@
                         </a:spcBef>
                       </a:pPr>
                       <a:r>
-                        <a:rPr lang="en-US" sz="1100" b="0" i="0" spc="0" dirty="0">
+                        <a:rPr lang="ja-jp" sz="1100" b="0" i="0" spc="0" dirty="0">
                           <a:latin typeface="Adobe Clean Light" panose="020B0303020404020204" pitchFamily="34" charset="0"/>
                           <a:cs typeface="AdobeClean-Light"/>
                         </a:rPr>
-                        <a:t>Upgrade/Migration Planning</a:t>
+                        <a:t>업그레이드/마이그레이션 계획</a:t>
                       </a:r>
                       <a:endParaRPr sz="1100" b="0" i="0" spc="0" dirty="0">
                         <a:latin typeface="Adobe Clean Light" panose="020B0303020404020204" pitchFamily="34" charset="0"/>
@@ -5419,11 +5393,11 @@
                         </a:spcBef>
                       </a:pPr>
                       <a:r>
-                        <a:rPr lang="en-US" sz="1100" b="0" i="0" spc="0" dirty="0">
+                        <a:rPr lang="ja-jp" sz="1100" b="0" i="0" spc="0" dirty="0">
                           <a:latin typeface="Adobe Clean Light" panose="020B0303020404020204" pitchFamily="34" charset="0"/>
                           <a:cs typeface="AdobeClean-Light"/>
                         </a:rPr>
-                        <a:t>Release Preparation and Planning</a:t>
+                        <a:t>릴리스 준비 및 계획</a:t>
                       </a:r>
                       <a:endParaRPr sz="1100" b="0" i="0" spc="0" dirty="0">
                         <a:latin typeface="Adobe Clean Light" panose="020B0303020404020204" pitchFamily="34" charset="0"/>
@@ -5638,11 +5612,11 @@
                         </a:spcBef>
                       </a:pPr>
                       <a:r>
-                        <a:rPr lang="en-US" sz="1100" b="0" i="0" spc="0" dirty="0">
+                        <a:rPr lang="ja-jp" sz="1100" b="0" i="0" spc="0" dirty="0">
                           <a:latin typeface="Adobe Clean Light" panose="020B0303020404020204" pitchFamily="34" charset="0"/>
                           <a:cs typeface="AdobeClean-Light"/>
                         </a:rPr>
-                        <a:t>Executive Sponsor</a:t>
+                        <a:t>경영 스폰서</a:t>
                       </a:r>
                       <a:endParaRPr sz="1100" b="0" i="0" spc="0" dirty="0">
                         <a:latin typeface="Adobe Clean Light" panose="020B0303020404020204" pitchFamily="34" charset="0"/>
@@ -5738,7 +5712,7 @@
                     <a:bodyPr/>
                     <a:lstStyle/>
                     <a:p>
-                      <a:pPr>
+                      <a:pPr marL="0" algn="l" rtl="0">
                         <a:lnSpc>
                           <a:spcPct val="100000"/>
                         </a:lnSpc>
@@ -5814,13 +5788,13 @@
           <a:lstStyle/>
           <a:p>
             <a:r>
-              <a:rPr lang="en-US" sz="700" i="1" dirty="0">
+              <a:rPr lang="ja-jp" sz="700" i="1" dirty="0">
                 <a:solidFill>
                   <a:schemeClr val="bg1"/>
                 </a:solidFill>
                 <a:latin typeface="Adobe Clean" panose="020B0503020404020204" pitchFamily="34" charset="0"/>
               </a:rPr>
-              <a:t>Adobe Creative Cloud / Adobe Document Cloud (including Adobe Sign)</a:t>
+              <a:t>Adobe Creative Cloud / Adobe Document Cloud (Adobe Sign 포함)</a:t>
             </a:r>
           </a:p>
         </p:txBody>
@@ -5840,14 +5814,14 @@
           <p:nvPr>
             <p:extLst>
               <p:ext uri="{D42A27DB-BD31-4B8C-83A1-F6EECF244321}">
-                <p14:modId xmlns:p14="http://schemas.microsoft.com/office/powerpoint/2010/main" val="2288175540"/>
+                <p14:modId xmlns:p14="http://schemas.microsoft.com/office/powerpoint/2010/main" val="3678238079"/>
               </p:ext>
             </p:extLst>
           </p:nvPr>
         </p:nvGraphicFramePr>
         <p:xfrm>
           <a:off x="121146" y="7483227"/>
-          <a:ext cx="7498851" cy="2361428"/>
+          <a:ext cx="7498851" cy="2187642"/>
         </p:xfrm>
         <a:graphic>
           <a:graphicData uri="http://schemas.openxmlformats.org/drawingml/2006/table">
@@ -5907,14 +5881,14 @@
                         </a:spcBef>
                       </a:pPr>
                       <a:r>
-                        <a:rPr sz="1000" spc="0">
+                        <a:rPr lang="ja-jp" sz="1000" spc="0">
                           <a:solidFill>
                             <a:srgbClr val="020302"/>
                           </a:solidFill>
                           <a:latin typeface="Adobe Clean"/>
                           <a:cs typeface="Adobe Clean"/>
                         </a:rPr>
-                        <a:t>Priority</a:t>
+                        <a:t>우선 순위</a:t>
                       </a:r>
                       <a:endParaRPr sz="1000" spc="0">
                         <a:latin typeface="Adobe Clean"/>
@@ -5966,44 +5940,14 @@
                         </a:spcBef>
                       </a:pPr>
                       <a:r>
-                        <a:rPr lang="en-US" sz="900" spc="0">
+                        <a:rPr lang="ja-jp" sz="900" spc="0">
                           <a:solidFill>
                             <a:srgbClr val="020302"/>
                           </a:solidFill>
                           <a:latin typeface="Adobe Clean"/>
                           <a:cs typeface="Adobe Clean"/>
                         </a:rPr>
-                        <a:t>Standard</a:t>
-                      </a:r>
-                      <a:r>
-                        <a:rPr sz="900" spc="0">
-                          <a:solidFill>
-                            <a:srgbClr val="020302"/>
-                          </a:solidFill>
-                          <a:latin typeface="Adobe Clean"/>
-                          <a:cs typeface="Adobe Clean"/>
-                        </a:rPr>
-                        <a:t> </a:t>
-                      </a:r>
-                      <a:r>
-                        <a:rPr lang="en-US" sz="900" spc="0">
-                          <a:solidFill>
-                            <a:srgbClr val="020302"/>
-                          </a:solidFill>
-                          <a:latin typeface="Adobe Clean"/>
-                          <a:cs typeface="Adobe Clean"/>
-                        </a:rPr>
-                        <a:t> </a:t>
-                      </a:r>
-                      <a:r>
-                        <a:rPr sz="900" spc="0">
-                          <a:solidFill>
-                            <a:srgbClr val="020302"/>
-                          </a:solidFill>
-                          <a:latin typeface="Adobe Clean"/>
-                          <a:cs typeface="Adobe Clean"/>
-                        </a:rPr>
-                        <a:t>Support</a:t>
+                        <a:t>표준  지원</a:t>
                       </a:r>
                       <a:endParaRPr sz="900" spc="0">
                         <a:latin typeface="Adobe Clean"/>
@@ -6058,34 +6002,14 @@
                         </a:spcBef>
                       </a:pPr>
                       <a:r>
-                        <a:rPr sz="900" spc="0">
+                        <a:rPr lang="ja-jp" sz="900" spc="0">
                           <a:solidFill>
                             <a:srgbClr val="FFFFFF"/>
                           </a:solidFill>
                           <a:latin typeface="Adobe Clean"/>
                           <a:cs typeface="Adobe Clean"/>
                         </a:rPr>
-                        <a:t>Business</a:t>
-                      </a:r>
-                      <a:r>
-                        <a:rPr lang="en-US" sz="900" spc="0">
-                          <a:solidFill>
-                            <a:srgbClr val="FFFFFF"/>
-                          </a:solidFill>
-                          <a:latin typeface="Adobe Clean"/>
-                          <a:cs typeface="Adobe Clean"/>
-                        </a:rPr>
-                        <a:t> </a:t>
-                      </a:r>
-                      <a:r>
-                        <a:rPr sz="900" spc="0">
-                          <a:solidFill>
-                            <a:srgbClr val="FFFFFF"/>
-                          </a:solidFill>
-                          <a:latin typeface="Adobe Clean"/>
-                          <a:cs typeface="Adobe Clean"/>
-                        </a:rPr>
-                        <a:t>Support</a:t>
+                        <a:t>비즈니스 지원</a:t>
                       </a:r>
                       <a:endParaRPr sz="900" spc="0">
                         <a:latin typeface="Adobe Clean"/>
@@ -6130,43 +6054,42 @@
                     <a:p>
                       <a:pPr marL="0" algn="ctr">
                         <a:lnSpc>
-                          <a:spcPct val="100000"/>
+                          <a:spcPts val="880"/>
                         </a:lnSpc>
                         <a:spcBef>
                           <a:spcPts val="60"/>
                         </a:spcBef>
                       </a:pPr>
                       <a:r>
-                        <a:rPr sz="900" spc="0">
+                        <a:rPr lang="ja-jp" sz="900" spc="0">
                           <a:solidFill>
                             <a:srgbClr val="FFFFFF"/>
                           </a:solidFill>
                           <a:latin typeface="Adobe Clean"/>
                           <a:cs typeface="Adobe Clean"/>
                         </a:rPr>
-                        <a:t>Enterprise </a:t>
+                        <a:t>엔터프라이즈 </a:t>
                       </a:r>
-                      <a:r>
-                        <a:rPr lang="en-US" sz="900" spc="0">
+                      <a:br>
+                        <a:rPr lang="en-US" altLang="ja-JP" sz="900" spc="0" dirty="0">
                           <a:solidFill>
                             <a:srgbClr val="FFFFFF"/>
                           </a:solidFill>
                           <a:latin typeface="Adobe Clean"/>
                           <a:cs typeface="Adobe Clean"/>
                         </a:rPr>
-                        <a:t> </a:t>
-                      </a:r>
+                      </a:br>
                       <a:r>
-                        <a:rPr sz="900" spc="0">
+                        <a:rPr lang="ja-jp" sz="900" spc="0">
                           <a:solidFill>
                             <a:srgbClr val="FFFFFF"/>
                           </a:solidFill>
                           <a:latin typeface="Adobe Clean"/>
                           <a:cs typeface="Adobe Clean"/>
                         </a:rPr>
-                        <a:t>Support</a:t>
+                        <a:t> 지원</a:t>
                       </a:r>
-                      <a:endParaRPr sz="900" spc="0">
+                      <a:endParaRPr sz="900" spc="0" dirty="0">
                         <a:latin typeface="Adobe Clean"/>
                         <a:cs typeface="Adobe Clean"/>
                       </a:endParaRPr>
@@ -6216,34 +6139,14 @@
                         </a:spcBef>
                       </a:pPr>
                       <a:r>
-                        <a:rPr sz="900" spc="0">
+                        <a:rPr lang="ja-jp" sz="900" spc="0">
                           <a:solidFill>
                             <a:srgbClr val="FFFFFF"/>
                           </a:solidFill>
                           <a:latin typeface="Adobe Clean"/>
                           <a:cs typeface="Adobe Clean"/>
                         </a:rPr>
-                        <a:t>Elite</a:t>
-                      </a:r>
-                      <a:r>
-                        <a:rPr lang="en-US" sz="900" spc="0">
-                          <a:solidFill>
-                            <a:srgbClr val="FFFFFF"/>
-                          </a:solidFill>
-                          <a:latin typeface="Adobe Clean"/>
-                          <a:cs typeface="Adobe Clean"/>
-                        </a:rPr>
-                        <a:t> </a:t>
-                      </a:r>
-                      <a:r>
-                        <a:rPr sz="900" spc="0">
-                          <a:solidFill>
-                            <a:srgbClr val="FFFFFF"/>
-                          </a:solidFill>
-                          <a:latin typeface="Adobe Clean"/>
-                          <a:cs typeface="Adobe Clean"/>
-                        </a:rPr>
-                        <a:t>Support</a:t>
+                        <a:t>엘리트 지원</a:t>
                       </a:r>
                       <a:endParaRPr sz="900" spc="0">
                         <a:latin typeface="Adobe Clean"/>
@@ -6302,14 +6205,14 @@
                         </a:spcBef>
                       </a:pPr>
                       <a:r>
-                        <a:rPr sz="900" b="1" spc="0" dirty="0">
+                        <a:rPr lang="ja-jp" sz="900" b="1" spc="0" dirty="0">
                           <a:solidFill>
                             <a:srgbClr val="020302"/>
                           </a:solidFill>
                           <a:latin typeface="Adobe Clean"/>
                           <a:cs typeface="Adobe Clean"/>
                         </a:rPr>
-                        <a:t>PRIORITY 1</a:t>
+                        <a:t>우선 순위 1</a:t>
                       </a:r>
                       <a:endParaRPr sz="900" spc="0" dirty="0">
                         <a:latin typeface="Adobe Clean"/>
@@ -6326,14 +6229,14 @@
                         </a:spcBef>
                       </a:pPr>
                       <a:r>
-                        <a:rPr lang="en-US" sz="900" b="0" i="0" spc="0" dirty="0">
+                        <a:rPr lang="ja-jp" sz="900" b="0" i="0" spc="0" dirty="0">
                           <a:solidFill>
                             <a:srgbClr val="000000"/>
                           </a:solidFill>
                           <a:effectLst/>
                           <a:latin typeface="Adobe Clean Light" panose="020B0303020404020204" pitchFamily="34" charset="0"/>
                         </a:rPr>
-                        <a:t>Customer's production business functions are down or have significant data loss or service degradation and immediate attention is required to restore functionality and usability. </a:t>
+                        <a:t>고객의 생산 비즈니스 기능이 다운되었거나 심각한 데이터 손실 또는 서비스 저하가 발생했으며 기능 및 사용성을 복원하기 위해 즉각적인 주의가 필요합니다. </a:t>
                       </a:r>
                       <a:endParaRPr sz="900" spc="0" dirty="0">
                         <a:latin typeface="AdobeClean-Light"/>
@@ -6385,14 +6288,14 @@
                         </a:spcBef>
                       </a:pPr>
                       <a:r>
-                        <a:rPr lang="en-US" sz="900" spc="0">
+                        <a:rPr lang="ja-jp" sz="900" spc="0">
                           <a:solidFill>
                             <a:srgbClr val="020302"/>
                           </a:solidFill>
                           <a:latin typeface="AdobeClean-Light"/>
                           <a:cs typeface="AdobeClean-Light"/>
                         </a:rPr>
-                        <a:t>24x7 /</a:t>
+                        <a:t>24x7 / </a:t>
                       </a:r>
                     </a:p>
                     <a:p>
@@ -6405,14 +6308,14 @@
                         </a:spcBef>
                       </a:pPr>
                       <a:r>
-                        <a:rPr lang="en-US" sz="900" spc="0">
+                        <a:rPr lang="ja-jp" sz="900" spc="0">
                           <a:solidFill>
                             <a:srgbClr val="020302"/>
                           </a:solidFill>
                           <a:latin typeface="AdobeClean-Light"/>
                           <a:cs typeface="AdobeClean-Light"/>
                         </a:rPr>
-                        <a:t> 30 minutes</a:t>
+                        <a:t>30분</a:t>
                       </a:r>
                       <a:endParaRPr lang="en-US" sz="900" spc="0">
                         <a:latin typeface="AdobeClean-Light"/>
@@ -6462,10 +6365,10 @@
                         <a:tabLst/>
                       </a:pPr>
                       <a:r>
-                        <a:rPr lang="en-US" sz="1000" i="0" spc="0" dirty="0">
+                        <a:rPr lang="ja-jp" sz="1000" i="0" spc="0" dirty="0">
                           <a:latin typeface="AdobeClean-Light"/>
                         </a:rPr>
-                        <a:t>Customers who purchase a Support Plan for applicable Adobe Products and Services receive priority case routing that fast-tracks cases to Adobe’s Support Engineers. </a:t>
+                        <a:t>해당하는 Adobe 제품 및 서비스에 대한 지원 플랜을 구매하는 고객은 Adobe의 지원 엔지니어에게 사례를 빠르게 처리할 수 있는 우선 순위 사례 라우팅을 받게 됩니다.</a:t>
                       </a:r>
                     </a:p>
                   </a:txBody>
@@ -6513,7 +6416,7 @@
                         </a:spcBef>
                       </a:pPr>
                       <a:r>
-                        <a:rPr sz="900" spc="0">
+                        <a:rPr lang="ja-jp" sz="900" spc="0">
                           <a:solidFill>
                             <a:srgbClr val="020302"/>
                           </a:solidFill>
@@ -6523,59 +6426,7 @@
                           <a:latin typeface="AdobeClean-Light"/>
                           <a:cs typeface="AdobeClean-Light"/>
                         </a:rPr>
-                        <a:t>24x7 /  </a:t>
-                      </a:r>
-                      <a:r>
-                        <a:rPr lang="en-US" sz="900" spc="0">
-                          <a:solidFill>
-                            <a:srgbClr val="020302"/>
-                          </a:solidFill>
-                          <a:highlight>
-                            <a:srgbClr val="FFFF00"/>
-                          </a:highlight>
-                          <a:latin typeface="AdobeClean-Light"/>
-                          <a:cs typeface="AdobeClean-Light"/>
-                        </a:rPr>
-                        <a:t>         </a:t>
-                      </a:r>
-                      <a:r>
-                        <a:rPr sz="900" spc="0">
-                          <a:solidFill>
-                            <a:srgbClr val="020302"/>
-                          </a:solidFill>
-                          <a:highlight>
-                            <a:srgbClr val="FFFF00"/>
-                          </a:highlight>
-                          <a:latin typeface="AdobeClean-Light"/>
-                          <a:cs typeface="AdobeClean-Light"/>
-                        </a:rPr>
-                        <a:t>30</a:t>
-                      </a:r>
-                      <a:r>
-                        <a:rPr lang="en-US" sz="900" spc="0">
-                          <a:solidFill>
-                            <a:srgbClr val="020302"/>
-                          </a:solidFill>
-                          <a:highlight>
-                            <a:srgbClr val="FFFF00"/>
-                          </a:highlight>
-                          <a:latin typeface="AdobeClean-Light"/>
-                          <a:cs typeface="AdobeClean-Light"/>
-                        </a:rPr>
-                        <a:t> </a:t>
-                      </a:r>
-                      <a:r>
-                        <a:rPr sz="900" spc="0">
-                          <a:solidFill>
-                            <a:srgbClr val="020302"/>
-                          </a:solidFill>
-                          <a:highlight>
-                            <a:srgbClr val="FFFF00"/>
-                          </a:highlight>
-                          <a:latin typeface="AdobeClean-Light"/>
-                          <a:cs typeface="AdobeClean-Light"/>
-                        </a:rPr>
-                        <a:t>minutes</a:t>
+                        <a:t>24x7 /           30분</a:t>
                       </a:r>
                       <a:endParaRPr sz="900" spc="0">
                         <a:highlight>
@@ -6627,7 +6478,7 @@
                         </a:spcBef>
                       </a:pPr>
                       <a:r>
-                        <a:rPr sz="900" spc="0">
+                        <a:rPr lang="ja-jp" sz="900" spc="0">
                           <a:solidFill>
                             <a:srgbClr val="020302"/>
                           </a:solidFill>
@@ -6637,59 +6488,7 @@
                           <a:latin typeface="AdobeClean-Light"/>
                           <a:cs typeface="AdobeClean-Light"/>
                         </a:rPr>
-                        <a:t>24x7 / </a:t>
-                      </a:r>
-                      <a:r>
-                        <a:rPr lang="en-US" sz="900" spc="0">
-                          <a:solidFill>
-                            <a:srgbClr val="020302"/>
-                          </a:solidFill>
-                          <a:highlight>
-                            <a:srgbClr val="FFFF00"/>
-                          </a:highlight>
-                          <a:latin typeface="AdobeClean-Light"/>
-                          <a:cs typeface="AdobeClean-Light"/>
-                        </a:rPr>
-                        <a:t>       </a:t>
-                      </a:r>
-                      <a:r>
-                        <a:rPr sz="900" spc="0">
-                          <a:solidFill>
-                            <a:srgbClr val="020302"/>
-                          </a:solidFill>
-                          <a:highlight>
-                            <a:srgbClr val="FFFF00"/>
-                          </a:highlight>
-                          <a:latin typeface="AdobeClean-Light"/>
-                          <a:cs typeface="AdobeClean-Light"/>
-                        </a:rPr>
-                        <a:t> 15</a:t>
-                      </a:r>
-                      <a:r>
-                        <a:rPr lang="en-US" sz="900" spc="0">
-                          <a:solidFill>
-                            <a:srgbClr val="020302"/>
-                          </a:solidFill>
-                          <a:highlight>
-                            <a:srgbClr val="FFFF00"/>
-                          </a:highlight>
-                          <a:latin typeface="AdobeClean-Light"/>
-                          <a:cs typeface="AdobeClean-Light"/>
-                        </a:rPr>
-                        <a:t> </a:t>
-                      </a:r>
-                      <a:r>
-                        <a:rPr sz="900" spc="0">
-                          <a:solidFill>
-                            <a:srgbClr val="020302"/>
-                          </a:solidFill>
-                          <a:highlight>
-                            <a:srgbClr val="FFFF00"/>
-                          </a:highlight>
-                          <a:latin typeface="AdobeClean-Light"/>
-                          <a:cs typeface="AdobeClean-Light"/>
-                        </a:rPr>
-                        <a:t>minutes</a:t>
+                        <a:t>24x7 /         15분</a:t>
                       </a:r>
                       <a:endParaRPr sz="900" spc="0">
                         <a:highlight>
@@ -6748,14 +6547,14 @@
                         </a:spcBef>
                       </a:pPr>
                       <a:r>
-                        <a:rPr sz="900" b="1" spc="0">
+                        <a:rPr lang="ja-jp" sz="900" b="1" spc="0">
                           <a:solidFill>
                             <a:srgbClr val="020302"/>
                           </a:solidFill>
                           <a:latin typeface="Adobe Clean"/>
                           <a:cs typeface="Adobe Clean"/>
                         </a:rPr>
-                        <a:t>PRIORITY 2</a:t>
+                        <a:t>우선 순위 2</a:t>
                       </a:r>
                       <a:endParaRPr sz="900" spc="0">
                         <a:latin typeface="Adobe Clean"/>
@@ -6781,14 +6580,14 @@
                         <a:defRPr/>
                       </a:pPr>
                       <a:r>
-                        <a:rPr lang="en-US" sz="900" b="0" i="0" spc="0">
+                        <a:rPr lang="ja-jp" sz="900" b="0" i="0" spc="0">
                           <a:solidFill>
                             <a:srgbClr val="000000"/>
                           </a:solidFill>
                           <a:effectLst/>
                           <a:latin typeface="Adobe Clean Light" panose="020B0303020404020204" pitchFamily="34" charset="0"/>
                         </a:rPr>
-                        <a:t>Customer's business functions have major service degradation or potential data loss, or a major feature is impacted. </a:t>
+                        <a:t>고객의 비즈니스 기능에 심각한 서비스 저하 또는 잠재적인 데이터 손실이 있거나 주요 기능이 영향을 받습니다.</a:t>
                       </a:r>
                       <a:endParaRPr sz="900" b="0" i="0" spc="0">
                         <a:latin typeface="Adobe Clean Light" panose="020B0303020404020204" pitchFamily="34" charset="0"/>
@@ -6840,7 +6639,7 @@
                         </a:spcBef>
                       </a:pPr>
                       <a:r>
-                        <a:rPr lang="en-US" sz="900" spc="0">
+                        <a:rPr lang="ja-jp" sz="900" spc="0">
                           <a:solidFill>
                             <a:srgbClr val="020302"/>
                           </a:solidFill>
@@ -6860,14 +6659,14 @@
                         </a:spcBef>
                       </a:pPr>
                       <a:r>
-                        <a:rPr lang="en-US" sz="900" spc="0">
+                        <a:rPr lang="ja-jp" sz="900" spc="0">
                           <a:solidFill>
                             <a:srgbClr val="020302"/>
                           </a:solidFill>
                           <a:latin typeface="AdobeClean-Light"/>
                           <a:cs typeface="AdobeClean-Light"/>
                         </a:rPr>
-                        <a:t>     1 hour</a:t>
+                        <a:t>     1시간</a:t>
                       </a:r>
                       <a:endParaRPr lang="en-US" sz="900" spc="0">
                         <a:latin typeface="AdobeClean-Light"/>
@@ -7073,24 +6872,14 @@
                         </a:spcBef>
                       </a:pPr>
                       <a:r>
-                        <a:rPr sz="900" b="1" spc="0">
+                        <a:rPr lang="ja-jp" sz="900" b="1" spc="0">
                           <a:solidFill>
                             <a:srgbClr val="020302"/>
                           </a:solidFill>
                           <a:latin typeface="Adobe Clean"/>
                           <a:cs typeface="Adobe Clean"/>
                         </a:rPr>
-                        <a:t>PRIORITY</a:t>
-                      </a:r>
-                      <a:r>
-                        <a:rPr lang="en-US" sz="900" b="1" spc="0">
-                          <a:solidFill>
-                            <a:srgbClr val="020302"/>
-                          </a:solidFill>
-                          <a:latin typeface="Adobe Clean"/>
-                          <a:cs typeface="Adobe Clean"/>
-                        </a:rPr>
-                        <a:t> 3</a:t>
+                        <a:t>우선 순위 3</a:t>
                       </a:r>
                       <a:endParaRPr lang="en-US" sz="900" spc="0">
                         <a:latin typeface="Adobe Clean"/>
@@ -7116,7 +6905,7 @@
                         <a:defRPr/>
                       </a:pPr>
                       <a:r>
-                        <a:rPr kumimoji="0" lang="en-US" sz="900" b="0" i="0" u="none" strike="noStrike" kern="1200" cap="none" spc="0" normalizeH="0" baseline="0" noProof="0">
+                        <a:rPr kumimoji="0" lang="ja-jp" sz="900" b="0" i="0" u="none" strike="noStrike" kern="1200" cap="none" spc="0" normalizeH="0" baseline="0" noProof="0">
                           <a:ln>
                             <a:noFill/>
                           </a:ln>
@@ -7130,7 +6919,7 @@
                           <a:ea typeface="+mn-ea"/>
                           <a:cs typeface="+mn-cs"/>
                         </a:rPr>
-                        <a:t>Customer's business functions have minor service degradation but there exists a solution/workaround allowing business functions to continue normally. </a:t>
+                        <a:t>고객의 비즈니스 기능에 약간의 서비스 저하가 있지만 비즈니스 기능을 정상적으로 계속할 수 있게 하는 솔루션/해결 방법이 있습니다.</a:t>
                       </a:r>
                       <a:endParaRPr lang="en-US" sz="900" b="0" i="0" spc="0">
                         <a:latin typeface="Adobe Clean Light" panose="020B0303020404020204" pitchFamily="34" charset="0"/>
@@ -7185,14 +6974,14 @@
                         </a:tabLst>
                       </a:pPr>
                       <a:r>
-                        <a:rPr lang="en-US" sz="900" spc="0">
+                        <a:rPr lang="ja-jp" sz="900" spc="0">
                           <a:solidFill>
                             <a:srgbClr val="020302"/>
                           </a:solidFill>
                           <a:latin typeface="AdobeClean-Light"/>
                           <a:cs typeface="AdobeClean-Light"/>
                         </a:rPr>
-                        <a:t>Business day /   </a:t>
+                        <a:t>영업일 /   </a:t>
                       </a:r>
                     </a:p>
                     <a:p>
@@ -7205,14 +6994,14 @@
                         </a:spcBef>
                       </a:pPr>
                       <a:r>
-                        <a:rPr lang="en-US" sz="900" spc="0">
+                        <a:rPr lang="ja-jp" sz="900" spc="0">
                           <a:solidFill>
                             <a:srgbClr val="020302"/>
                           </a:solidFill>
                           <a:latin typeface="AdobeClean-Light"/>
                           <a:cs typeface="AdobeClean-Light"/>
                         </a:rPr>
-                        <a:t>4 hours</a:t>
+                        <a:t>4시간</a:t>
                       </a:r>
                       <a:endParaRPr lang="en-US" sz="900" spc="0">
                         <a:latin typeface="AdobeClean-Light"/>
@@ -7418,14 +7207,14 @@
                         </a:spcBef>
                       </a:pPr>
                       <a:r>
-                        <a:rPr sz="900" b="1" spc="0">
+                        <a:rPr lang="ja-jp" sz="900" b="1" spc="0">
                           <a:solidFill>
                             <a:srgbClr val="020302"/>
                           </a:solidFill>
                           <a:latin typeface="Adobe Clean"/>
                           <a:cs typeface="Adobe Clean"/>
                         </a:rPr>
-                        <a:t>PRIORITY 4</a:t>
+                        <a:t>우선 순위 4</a:t>
                       </a:r>
                       <a:endParaRPr sz="900" spc="0">
                         <a:latin typeface="Adobe Clean"/>
@@ -7451,14 +7240,14 @@
                         <a:defRPr/>
                       </a:pPr>
                       <a:r>
-                        <a:rPr lang="en-US" sz="900" b="0" i="0" spc="0">
+                        <a:rPr lang="ja-jp" sz="900" b="0" i="0" spc="0">
                           <a:solidFill>
                             <a:srgbClr val="000000"/>
                           </a:solidFill>
                           <a:effectLst/>
                           <a:latin typeface="Adobe Clean Light" panose="020B0303020404020204" pitchFamily="34" charset="0"/>
                         </a:rPr>
-                        <a:t>General question regarding current product functionality or an enhancement request.</a:t>
+                        <a:t>현재 제품 기능에 관한 일반적인 질문 또는 개선 요청입니다.</a:t>
                       </a:r>
                       <a:endParaRPr sz="900" b="0" i="0" spc="0">
                         <a:latin typeface="Adobe Clean Light" panose="020B0303020404020204" pitchFamily="34" charset="0"/>
@@ -7513,14 +7302,14 @@
                         </a:tabLst>
                       </a:pPr>
                       <a:r>
-                        <a:rPr lang="en-US" sz="900" spc="0" dirty="0">
+                        <a:rPr lang="ja-jp" sz="900" spc="0" dirty="0">
                           <a:solidFill>
                             <a:srgbClr val="020302"/>
                           </a:solidFill>
                           <a:latin typeface="AdobeClean-Light"/>
                           <a:cs typeface="AdobeClean-Light"/>
                         </a:rPr>
-                        <a:t>  Business day /   </a:t>
+                        <a:t>  영업일 /   </a:t>
                       </a:r>
                     </a:p>
                     <a:p>
@@ -7533,14 +7322,14 @@
                         </a:spcBef>
                       </a:pPr>
                       <a:r>
-                        <a:rPr lang="en-US" sz="900" spc="0" dirty="0">
+                        <a:rPr lang="ja-jp" sz="900" spc="0" dirty="0">
                           <a:solidFill>
                             <a:srgbClr val="020302"/>
                           </a:solidFill>
                           <a:latin typeface="AdobeClean-Light"/>
                           <a:cs typeface="AdobeClean-Light"/>
                         </a:rPr>
-                        <a:t>1 day </a:t>
+                        <a:t>1일 </a:t>
                       </a:r>
                       <a:endParaRPr lang="en-US" sz="900" spc="0" dirty="0">
                         <a:latin typeface="AdobeClean-Light"/>
@@ -7864,36 +7653,36 @@
               </a:spcBef>
             </a:pPr>
             <a:r>
-              <a:rPr lang="en-US" spc="-10" dirty="0"/>
+              <a:rPr lang="ja-jp" spc="-10" dirty="0"/>
               <a:t>©202</a:t>
             </a:r>
             <a:r>
-              <a:rPr lang="en-US" spc="-5" dirty="0"/>
-              <a:t>2 Adobe. All</a:t>
-            </a:r>
-            <a:r>
-              <a:rPr lang="en-US" spc="-10" dirty="0"/>
+              <a:rPr lang="ja-jp" spc="-5" dirty="0"/>
+              <a:t>2 Adobe.All</a:t>
+            </a:r>
+            <a:r>
+              <a:rPr lang="ja-jp" spc="-10" dirty="0"/>
               <a:t> Rights</a:t>
             </a:r>
             <a:r>
-              <a:rPr lang="en-US" spc="-5" dirty="0"/>
+              <a:rPr lang="ja-jp" spc="-5" dirty="0"/>
               <a:t> </a:t>
             </a:r>
             <a:r>
-              <a:rPr lang="en-US" spc="-10" dirty="0"/>
+              <a:rPr lang="ja-jp" spc="-10" dirty="0"/>
               <a:t>Reserved.</a:t>
             </a:r>
             <a:r>
-              <a:rPr lang="en-US" spc="-5" dirty="0"/>
-              <a:t> Adobe</a:t>
-            </a:r>
-            <a:r>
-              <a:rPr lang="en-US" spc="60" dirty="0"/>
+              <a:rPr lang="ja-jp" spc="-5" dirty="0"/>
+              <a:t>Adobe</a:t>
+            </a:r>
+            <a:r>
+              <a:rPr lang="ja-jp" spc="60" dirty="0"/>
               <a:t> </a:t>
             </a:r>
             <a:r>
-              <a:rPr lang="en-US" spc="-10" dirty="0"/>
-              <a:t>Confidential.</a:t>
+              <a:rPr lang="ja-jp" spc="-10" dirty="0"/>
+              <a:t>기밀.</a:t>
             </a:r>
           </a:p>
         </p:txBody>
@@ -8091,10 +7880,10 @@
               </a:spcBef>
             </a:pPr>
             <a:r>
-              <a:rPr lang="en-US" sz="1000" dirty="0">
+              <a:rPr lang="ja-jp" sz="1000" dirty="0">
                 <a:latin typeface="Adobe Clean Light" panose="020B0303020404020204" pitchFamily="34" charset="0"/>
               </a:rPr>
-              <a:t>An assigned Account Support Lead to monitor case progress and function as your escalation point and internal advocate within Adobe Support.</a:t>
+              <a:t>사례 진행 상황을 모니터링하고 Adobe 지원 내에서 에스컬레이션 지점 및 내부 지지 역할을 하는 할당된 계정 지원 리드입니다.</a:t>
             </a:r>
             <a:endParaRPr lang="en-US" sz="1000" dirty="0">
               <a:latin typeface="Adobe Clean Light" panose="020B0303020404020204" pitchFamily="34" charset="0"/>
@@ -8170,13 +7959,13 @@
               </a:spcAft>
             </a:pPr>
             <a:r>
-              <a:rPr lang="en-US" sz="1200" b="1" spc="-10" dirty="0">
+              <a:rPr lang="ja-jp" sz="1200" b="1" spc="-10" dirty="0">
                 <a:solidFill>
                   <a:srgbClr val="020302"/>
                 </a:solidFill>
                 <a:latin typeface="Adobe Clean" panose="020B0503020404020204" pitchFamily="34" charset="0"/>
               </a:rPr>
-              <a:t>Account Support Lead</a:t>
+              <a:t>계정 지원 리드</a:t>
             </a:r>
           </a:p>
         </p:txBody>
@@ -8265,14 +8054,14 @@
               </a:spcBef>
             </a:pPr>
             <a:r>
-              <a:rPr lang="en-US" sz="1400" b="1" spc="-10" dirty="0">
+              <a:rPr lang="ja-jp" sz="1400" b="1" spc="-10" dirty="0">
                 <a:solidFill>
                   <a:srgbClr val="020302"/>
                 </a:solidFill>
                 <a:latin typeface="Adobe Clean"/>
                 <a:cs typeface="Adobe Clean"/>
               </a:rPr>
-              <a:t>Standard Support Features</a:t>
+              <a:t>표준 지원 기능</a:t>
             </a:r>
             <a:endParaRPr lang="en-US" sz="1400" dirty="0">
               <a:latin typeface="Adobe Clean"/>
@@ -8365,14 +8154,14 @@
               </a:spcBef>
             </a:pPr>
             <a:r>
-              <a:rPr lang="en-US" sz="1400" b="1" spc="-10" dirty="0">
+              <a:rPr lang="ja-jp" sz="1400" b="1" spc="-10" dirty="0">
                 <a:solidFill>
                   <a:srgbClr val="020302"/>
                 </a:solidFill>
                 <a:latin typeface="Adobe Clean"/>
                 <a:cs typeface="Adobe Clean"/>
               </a:rPr>
-              <a:t>Business Support Features</a:t>
+              <a:t>비즈니스 지원 기능</a:t>
             </a:r>
             <a:endParaRPr lang="en-US" sz="1400" dirty="0">
               <a:latin typeface="Adobe Clean"/>
@@ -8414,11 +8203,11 @@
               </a:spcBef>
             </a:pPr>
             <a:r>
-              <a:rPr lang="en-US" sz="1000" dirty="0">
+              <a:rPr lang="ja-jp" sz="1000" dirty="0">
                 <a:latin typeface="Adobe Clean Light" panose="020B0303020404020204" pitchFamily="34" charset="0"/>
                 <a:cs typeface="AdobeClean-Light"/>
               </a:rPr>
-              <a:t>Receive prioritized routing to ensure faster connection to more senior support resources on submitted cases. </a:t>
+              <a:t>제출된 사례에 대한 고급 지원 리소스에 보다 빠르게 연결할 수 있는 우선 순위 라우팅을 받게 됩니다.</a:t>
             </a:r>
           </a:p>
         </p:txBody>
@@ -8461,13 +8250,13 @@
               </a:spcAft>
             </a:pPr>
             <a:r>
-              <a:rPr lang="en-US" sz="1200" b="1" spc="-10" dirty="0">
+              <a:rPr lang="ja-jp" sz="1200" b="1" spc="-10" dirty="0">
                 <a:solidFill>
                   <a:srgbClr val="020302"/>
                 </a:solidFill>
                 <a:latin typeface="Adobe Clean" panose="020B0503020404020204" pitchFamily="34" charset="0"/>
               </a:rPr>
-              <a:t>Priority Case Routing</a:t>
+              <a:t>우선 순위 사례 라우팅</a:t>
             </a:r>
           </a:p>
         </p:txBody>
@@ -8487,7 +8276,7 @@
         <p:spPr>
           <a:xfrm>
             <a:off x="5346216" y="1596236"/>
-            <a:ext cx="2148840" cy="651460"/>
+            <a:ext cx="2148840" cy="805349"/>
           </a:xfrm>
           <a:prstGeom prst="rect">
             <a:avLst/>
@@ -8508,10 +8297,33 @@
               </a:spcBef>
             </a:pPr>
             <a:r>
-              <a:rPr lang="en-US" sz="1000" dirty="0">
+              <a:rPr lang="ja-jp" sz="1000" dirty="0">
                 <a:latin typeface="Adobe Clean Light" panose="020B0303020404020204" pitchFamily="34" charset="0"/>
               </a:rPr>
-              <a:t>A designated point of contact within Adobe who can provide escalation assistance, regular updates and ensure priority is given to your most critical open support requests.</a:t>
+              <a:t>에스컬레이션 지원 및 정기 업데이트를 제공하고 진행 중인 지원 요청에서 가장 중요한 것에 우선 순위를 부여할 수 있는 Adobe 내의 지정된 담당</a:t>
+            </a:r>
+            <a:r>
+              <a:rPr lang="ja-jp" sz="1000">
+                <a:latin typeface="Adobe Clean Light" panose="020B0303020404020204" pitchFamily="34" charset="0"/>
+              </a:rPr>
+              <a:t>자입</a:t>
+            </a:r>
+            <a:br>
+              <a:rPr lang="en-US" altLang="ja-JP" sz="1000" dirty="0">
+                <a:latin typeface="Adobe Clean Light" panose="020B0303020404020204" pitchFamily="34" charset="0"/>
+              </a:rPr>
+            </a:br>
+            <a:r>
+              <a:rPr lang="ja-jp" sz="1000">
+                <a:latin typeface="Adobe Clean Light" panose="020B0303020404020204" pitchFamily="34" charset="0"/>
+              </a:rPr>
+              <a:t>니</a:t>
+            </a:r>
+            <a:r>
+              <a:rPr lang="ja-jp" sz="1000" dirty="0">
+                <a:latin typeface="Adobe Clean Light" panose="020B0303020404020204" pitchFamily="34" charset="0"/>
+              </a:rPr>
+              <a:t>다.</a:t>
             </a:r>
             <a:endParaRPr lang="en-US" sz="1000" dirty="0">
               <a:latin typeface="Adobe Clean Light" panose="020B0303020404020204" pitchFamily="34" charset="0"/>
@@ -8558,13 +8370,13 @@
               </a:spcAft>
             </a:pPr>
             <a:r>
-              <a:rPr lang="en-US" sz="1200" b="1" spc="-10" dirty="0">
+              <a:rPr lang="ja-jp" sz="1200" b="1" spc="-10" dirty="0">
                 <a:solidFill>
                   <a:srgbClr val="020302"/>
                 </a:solidFill>
                 <a:latin typeface="Adobe Clean" panose="020B0503020404020204" pitchFamily="34" charset="0"/>
               </a:rPr>
-              <a:t>Escalation Management</a:t>
+              <a:t>에스컬레이션 관리</a:t>
             </a:r>
           </a:p>
         </p:txBody>
@@ -8598,10 +8410,10 @@
           <a:lstStyle/>
           <a:p>
             <a:r>
-              <a:rPr lang="en-US" sz="1200" b="1" dirty="0">
+              <a:rPr lang="ja-jp" sz="1200" b="1" dirty="0">
                 <a:latin typeface="Adobe Clean" panose="020B0503020404020204" pitchFamily="34" charset="0"/>
               </a:rPr>
-              <a:t>Accelerated Issue Prioritization</a:t>
+              <a:t>가속화된 문제 우선 순위 지정</a:t>
             </a:r>
           </a:p>
         </p:txBody>
@@ -8640,11 +8452,11 @@
               <a:defRPr/>
             </a:pPr>
             <a:r>
-              <a:rPr lang="en-US" sz="1000" dirty="0">
+              <a:rPr lang="ja-jp" sz="1000" dirty="0">
                 <a:latin typeface="Adobe Clean Light" panose="020B0303020404020204" pitchFamily="34" charset="0"/>
                 <a:cs typeface="Adobe Clean Light"/>
               </a:rPr>
-              <a:t>Receive higher prioritization on support case work through facilitated engagement with Engineering.</a:t>
+              <a:t>엔지니어링과 함께 용이한 참여를 통해 지원 사례 작업에 대해 높은 우선 순위를 받게 됩니다.</a:t>
             </a:r>
           </a:p>
         </p:txBody>
@@ -8797,12 +8609,12 @@
               </a:spcAft>
             </a:pPr>
             <a:r>
-              <a:rPr lang="en-US" sz="1200" b="1" dirty="0">
+              <a:rPr lang="ja-jp" sz="1200" b="1" dirty="0">
                 <a:latin typeface="Adobe Clean" panose="020B0503020404020204" pitchFamily="34" charset="0"/>
                 <a:ea typeface="Open Sans" pitchFamily="34" charset="0"/>
                 <a:cs typeface="Open Sans" pitchFamily="34" charset="0"/>
               </a:rPr>
-              <a:t>Community Forums</a:t>
+              <a:t>커뮤니티 포럼</a:t>
             </a:r>
           </a:p>
         </p:txBody>
@@ -8835,13 +8647,13 @@
           <a:lstStyle/>
           <a:p>
             <a:r>
-              <a:rPr lang="en-US" sz="1000" dirty="0">
+              <a:rPr lang="ja-jp" sz="1000" dirty="0">
                 <a:solidFill>
                   <a:srgbClr val="000000"/>
                 </a:solidFill>
                 <a:latin typeface="Adobe Clean Light" panose="020B0303020404020204" pitchFamily="34" charset="0"/>
               </a:rPr>
-              <a:t>Continuous online access to a growing database of technical solutions, product documentation, FAQs and more. Connect with other customers on Adobe Community to share best practices and lessons learned..</a:t>
+              <a:t>기술 솔루션, 제품 문서, FAQ 등 증가하는 데이터베이스에 대한 지속적인 온라인 액세스.Adobe 커뮤니티에서 다른 고객과 소통하여 모범 사례 및 진행 중 얻은 개선 사항을 공유합니다.</a:t>
             </a:r>
           </a:p>
         </p:txBody>
@@ -8884,12 +8696,12 @@
               </a:spcAft>
             </a:pPr>
             <a:r>
-              <a:rPr lang="en-US" sz="1200" b="1" dirty="0">
+              <a:rPr lang="ja-jp" sz="1200" b="1" dirty="0">
                 <a:latin typeface="Adobe Clean" panose="020B0503020404020204" pitchFamily="34" charset="0"/>
                 <a:ea typeface="Open Sans" pitchFamily="34" charset="0"/>
                 <a:cs typeface="Open Sans" pitchFamily="34" charset="0"/>
               </a:rPr>
-              <a:t>Self-Help Portal</a:t>
+              <a:t>자가 진단 포털</a:t>
             </a:r>
           </a:p>
         </p:txBody>
@@ -8922,13 +8734,13 @@
           <a:lstStyle/>
           <a:p>
             <a:r>
-              <a:rPr lang="en-US" sz="1000" dirty="0">
+              <a:rPr lang="ja-jp" sz="1000" dirty="0">
                 <a:solidFill>
                   <a:srgbClr val="000000"/>
                 </a:solidFill>
                 <a:latin typeface="Adobe Clean Light" panose="020B0303020404020204" pitchFamily="34" charset="0"/>
               </a:rPr>
-              <a:t>On-demand access to the online Self-help Support Portal review case status, and browse other resources, like our  news and alerts, knowledge base, featured tips, and more.</a:t>
+              <a:t>온라인 자가 진단 지원 포털에 대한 온디맨드 액세스를 통해 사례 상태를 검토하고 뉴스 및 알림, 기술 자료, 추천 팁 등과 같은 기타 리소스를 검색할 수 있습니다.</a:t>
             </a:r>
           </a:p>
         </p:txBody>
@@ -8948,7 +8760,7 @@
         <p:spPr>
           <a:xfrm>
             <a:off x="5419204" y="6743263"/>
-            <a:ext cx="2148840" cy="641201"/>
+            <a:ext cx="2148840" cy="948978"/>
           </a:xfrm>
           <a:prstGeom prst="rect">
             <a:avLst/>
@@ -8972,77 +8784,77 @@
               </a:tabLst>
             </a:pPr>
             <a:r>
-              <a:rPr lang="en-US" sz="1000" spc="-20" dirty="0">
+              <a:rPr lang="ja-jp" sz="1000" spc="-20" dirty="0">
                 <a:solidFill>
                   <a:srgbClr val="020302"/>
                 </a:solidFill>
                 <a:latin typeface="AdobeClean-Light"/>
                 <a:cs typeface="AdobeClean-Light"/>
               </a:rPr>
-              <a:t>Authorized Users (Admins) can start a chat session with Adobe Support </a:t>
-            </a:r>
-            <a:r>
-              <a:rPr lang="en-US" sz="1000" spc="-5" dirty="0">
+              <a:t>승인된 사용자(관리자)는 Adobe 지원 팀과 함께 채팅 세션을 시작하여 </a:t>
+            </a:r>
+            <a:r>
+              <a:rPr lang="ja-jp" sz="1000" spc="-5" dirty="0">
                 <a:solidFill>
                   <a:srgbClr val="020302"/>
                 </a:solidFill>
                 <a:latin typeface="AdobeClean-Light"/>
                 <a:cs typeface="AdobeClean-Light"/>
               </a:rPr>
-              <a:t>to </a:t>
-            </a:r>
-            <a:r>
-              <a:rPr lang="en-US" sz="1000" spc="-10" dirty="0">
+              <a:t>사례 </a:t>
+            </a:r>
+            <a:r>
+              <a:rPr lang="ja-jp" sz="1000" spc="-10" dirty="0">
                 <a:solidFill>
                   <a:srgbClr val="020302"/>
                 </a:solidFill>
                 <a:latin typeface="AdobeClean-Light"/>
                 <a:cs typeface="AdobeClean-Light"/>
               </a:rPr>
-              <a:t>get </a:t>
-            </a:r>
-            <a:r>
-              <a:rPr lang="en-US" sz="1000" spc="-20" dirty="0">
+              <a:t>제출에 </a:t>
+            </a:r>
+            <a:r>
+              <a:rPr lang="ja-jp" sz="1000" spc="-20" dirty="0">
                 <a:solidFill>
                   <a:srgbClr val="020302"/>
                 </a:solidFill>
                 <a:latin typeface="AdobeClean-Light"/>
                 <a:cs typeface="AdobeClean-Light"/>
               </a:rPr>
-              <a:t>answers</a:t>
-            </a:r>
-            <a:r>
-              <a:rPr lang="en-US" sz="1000" spc="-45" dirty="0">
+              <a:t>대한</a:t>
+            </a:r>
+            <a:r>
+              <a:rPr lang="ja-jp" sz="1000" spc="-45" dirty="0">
                 <a:solidFill>
                   <a:srgbClr val="020302"/>
                 </a:solidFill>
                 <a:latin typeface="AdobeClean-Light"/>
                 <a:cs typeface="AdobeClean-Light"/>
               </a:rPr>
-              <a:t> and </a:t>
-            </a:r>
-            <a:r>
-              <a:rPr lang="en-US" sz="1000" spc="-15" dirty="0">
+              <a:t> 답변 </a:t>
+            </a:r>
+            <a:r>
+              <a:rPr lang="ja-jp" sz="1000" spc="-15" dirty="0">
                 <a:solidFill>
                   <a:srgbClr val="020302"/>
                 </a:solidFill>
                 <a:latin typeface="AdobeClean-Light"/>
                 <a:cs typeface="AdobeClean-Light"/>
               </a:rPr>
-              <a:t>help </a:t>
-            </a:r>
-            <a:r>
-              <a:rPr lang="en-US" sz="1000" spc="-10" dirty="0">
+              <a:t>및 </a:t>
+            </a:r>
+            <a:r>
+              <a:rPr lang="ja-jp" sz="1000" spc="-10" dirty="0">
                 <a:solidFill>
                   <a:srgbClr val="020302"/>
                 </a:solidFill>
                 <a:latin typeface="AdobeClean-Light"/>
                 <a:cs typeface="AdobeClean-Light"/>
               </a:rPr>
-              <a:t>with</a:t>
-            </a:r>
-            <a:r>
-              <a:rPr lang="en-US" sz="1000" spc="85" dirty="0">
+              <a:t>도움을</a:t>
+            </a:r>
+            <a:r>
+              <a:rPr lang="ja-jp" sz="1000" spc="85" dirty="0">
                 <a:solidFill>
                   <a:srgbClr val="020302"/>
                 </a:solidFill>
@@ -9052,24 +8864,24 @@
               <a:t> </a:t>
             </a:r>
             <a:r>
-              <a:rPr lang="en-US" sz="1000" spc="-10" dirty="0">
+              <a:rPr lang="ja-jp" sz="1000" spc="-10" dirty="0">
                 <a:solidFill>
                   <a:srgbClr val="020302"/>
                 </a:solidFill>
                 <a:latin typeface="AdobeClean-Light"/>
                 <a:cs typeface="AdobeClean-Light"/>
               </a:rPr>
-              <a:t>case </a:t>
-            </a:r>
-            <a:r>
-              <a:rPr lang="en-US" sz="1000" spc="-20" dirty="0">
+              <a:t>얻을 수 </a:t>
+            </a:r>
+            <a:r>
+              <a:rPr lang="ja-jp" sz="1000" spc="-20" dirty="0">
                 <a:solidFill>
                   <a:srgbClr val="020302"/>
                 </a:solidFill>
                 <a:latin typeface="AdobeClean-Light"/>
                 <a:cs typeface="AdobeClean-Light"/>
               </a:rPr>
-              <a:t>submission.</a:t>
+              <a:t>있습니다.</a:t>
             </a:r>
           </a:p>
           <a:p>
@@ -9085,14 +8897,53 @@
               </a:tabLst>
             </a:pPr>
             <a:r>
-              <a:rPr lang="en-US" sz="1000" i="1" spc="-10" dirty="0">
+              <a:rPr lang="ja-jp" sz="1000" i="1" spc="-10" dirty="0">
                 <a:solidFill>
                   <a:srgbClr val="7A7A7A"/>
                 </a:solidFill>
                 <a:latin typeface="AdobeClean-LightIt"/>
                 <a:cs typeface="AdobeClean-LightIt"/>
               </a:rPr>
-              <a:t>Subject to local hours</a:t>
+              <a:t>로컬 운영 시간에 따라 변경될 </a:t>
+            </a:r>
+            <a:r>
+              <a:rPr lang="ja-jp" sz="1000" i="1" spc="-10">
+                <a:solidFill>
+                  <a:srgbClr val="7A7A7A"/>
+                </a:solidFill>
+                <a:latin typeface="AdobeClean-LightIt"/>
+                <a:cs typeface="AdobeClean-LightIt"/>
+              </a:rPr>
+              <a:t>수 </a:t>
+            </a:r>
+            <a:br>
+              <a:rPr lang="en-US" altLang="ja-JP" sz="1000" i="1" spc="-10" dirty="0">
+                <a:solidFill>
+                  <a:srgbClr val="7A7A7A"/>
+                </a:solidFill>
+                <a:latin typeface="AdobeClean-LightIt"/>
+                <a:cs typeface="AdobeClean-LightIt"/>
+              </a:rPr>
+            </a:br>
+            <a:r>
+              <a:rPr lang="ja-jp" sz="1000" i="1" spc="-10">
+                <a:solidFill>
+                  <a:srgbClr val="7A7A7A"/>
+                </a:solidFill>
+                <a:latin typeface="AdobeClean-LightIt"/>
+                <a:cs typeface="AdobeClean-LightIt"/>
+              </a:rPr>
+              <a:t>있</a:t>
+            </a:r>
+            <a:r>
+              <a:rPr lang="ja-jp" sz="1000" i="1" spc="-10" dirty="0">
+                <a:solidFill>
+                  <a:srgbClr val="7A7A7A"/>
+                </a:solidFill>
+                <a:latin typeface="AdobeClean-LightIt"/>
+                <a:cs typeface="AdobeClean-LightIt"/>
+              </a:rPr>
+              <a:t>음</a:t>
             </a:r>
             <a:endParaRPr lang="en-US" sz="1000" dirty="0">
               <a:latin typeface="AdobeClean-Light"/>
@@ -9139,12 +8990,12 @@
               </a:spcAft>
             </a:pPr>
             <a:r>
-              <a:rPr lang="en-US" sz="1200" b="1" dirty="0">
+              <a:rPr lang="ja-jp" sz="1200" b="1" dirty="0">
                 <a:latin typeface="Adobe Clean" panose="020B0503020404020204" pitchFamily="34" charset="0"/>
                 <a:ea typeface="Open Sans" pitchFamily="34" charset="0"/>
                 <a:cs typeface="Open Sans" pitchFamily="34" charset="0"/>
               </a:rPr>
-              <a:t>Chat Support</a:t>
+              <a:t>채팅 지원</a:t>
             </a:r>
           </a:p>
         </p:txBody>
@@ -9187,12 +9038,12 @@
               </a:spcAft>
             </a:pPr>
             <a:r>
-              <a:rPr lang="en-US" sz="1200" b="1" dirty="0">
+              <a:rPr lang="ja-jp" sz="1200" b="1" dirty="0">
                 <a:latin typeface="Adobe Clean" panose="020B0503020404020204" pitchFamily="34" charset="0"/>
                 <a:ea typeface="Open Sans" pitchFamily="34" charset="0"/>
                 <a:cs typeface="Open Sans" pitchFamily="34" charset="0"/>
               </a:rPr>
-              <a:t>Phone Support</a:t>
+              <a:t>전화 지원</a:t>
             </a:r>
           </a:p>
         </p:txBody>
@@ -9212,7 +9063,7 @@
         <p:spPr>
           <a:xfrm>
             <a:off x="1930373" y="8569418"/>
-            <a:ext cx="1955827" cy="651460"/>
+            <a:ext cx="1955827" cy="959237"/>
           </a:xfrm>
           <a:prstGeom prst="rect">
             <a:avLst/>
@@ -9225,62 +9076,62 @@
           <a:lstStyle/>
           <a:p>
             <a:r>
-              <a:rPr lang="en-US" sz="1000" dirty="0">
+              <a:rPr lang="ja-jp" sz="1000" dirty="0">
                 <a:solidFill>
                   <a:srgbClr val="020302"/>
                 </a:solidFill>
                 <a:latin typeface="AdobeClean-Light"/>
               </a:rPr>
-              <a:t>Authorized Users (Admins) </a:t>
-            </a:r>
-            <a:r>
-              <a:rPr lang="en-US" sz="1000" dirty="0">
+              <a:t>승인된 사용자(관리자)는 </a:t>
+            </a:r>
+            <a:r>
+              <a:rPr lang="ja-jp" sz="1000" dirty="0">
                 <a:latin typeface="Adobe Clean Light"/>
               </a:rPr>
-              <a:t>can call Adobe Support via phone </a:t>
-            </a:r>
-            <a:r>
-              <a:rPr lang="en-US" sz="1000" spc="-5" dirty="0">
+              <a:t>전화를 통해 Adobe 지원 팀에 문의하여 </a:t>
+            </a:r>
+            <a:r>
+              <a:rPr lang="ja-jp" sz="1000" spc="-5" dirty="0">
                 <a:solidFill>
                   <a:srgbClr val="020302"/>
                 </a:solidFill>
                 <a:latin typeface="AdobeClean-Light"/>
                 <a:cs typeface="AdobeClean-Light"/>
               </a:rPr>
-              <a:t>to </a:t>
-            </a:r>
-            <a:r>
-              <a:rPr lang="en-US" sz="1000" spc="-10" dirty="0">
+              <a:t>사례 </a:t>
+            </a:r>
+            <a:r>
+              <a:rPr lang="ja-jp" sz="1000" spc="-10" dirty="0">
                 <a:solidFill>
                   <a:srgbClr val="020302"/>
                 </a:solidFill>
                 <a:latin typeface="AdobeClean-Light"/>
                 <a:cs typeface="AdobeClean-Light"/>
               </a:rPr>
-              <a:t>get </a:t>
-            </a:r>
-            <a:r>
-              <a:rPr lang="en-US" sz="1000" spc="-20" dirty="0">
+              <a:t>제출에 </a:t>
+            </a:r>
+            <a:r>
+              <a:rPr lang="ja-jp" sz="1000" spc="-20" dirty="0">
                 <a:solidFill>
                   <a:srgbClr val="020302"/>
                 </a:solidFill>
                 <a:latin typeface="AdobeClean-Light"/>
                 <a:cs typeface="AdobeClean-Light"/>
               </a:rPr>
-              <a:t>answers</a:t>
-            </a:r>
-            <a:r>
-              <a:rPr lang="en-US" sz="1000" spc="-45" dirty="0">
+              <a:t>대한</a:t>
+            </a:r>
+            <a:r>
+              <a:rPr lang="ja-jp" sz="1000" spc="-45" dirty="0">
                 <a:solidFill>
                   <a:srgbClr val="020302"/>
                 </a:solidFill>
                 <a:latin typeface="AdobeClean-Light"/>
                 <a:cs typeface="AdobeClean-Light"/>
               </a:rPr>
-              <a:t> and</a:t>
-            </a:r>
-            <a:r>
-              <a:rPr lang="en-US" sz="1000" dirty="0">
+              <a:t> 답변</a:t>
+            </a:r>
+            <a:r>
+              <a:rPr lang="ja-jp" sz="1000" dirty="0">
                 <a:solidFill>
                   <a:srgbClr val="020302"/>
                 </a:solidFill>
@@ -9290,46 +9141,85 @@
               <a:t> </a:t>
             </a:r>
             <a:r>
-              <a:rPr lang="en-US" sz="1000" spc="-15" dirty="0">
+              <a:rPr lang="ja-jp" sz="1000" spc="-15" dirty="0">
                 <a:solidFill>
                   <a:srgbClr val="020302"/>
                 </a:solidFill>
                 <a:latin typeface="AdobeClean-Light"/>
                 <a:cs typeface="AdobeClean-Light"/>
               </a:rPr>
-              <a:t>help </a:t>
-            </a:r>
-            <a:r>
-              <a:rPr lang="en-US" sz="1000" spc="-10" dirty="0">
+              <a:t>및 </a:t>
+            </a:r>
+            <a:r>
+              <a:rPr lang="ja-jp" sz="1000" spc="-10" dirty="0">
                 <a:solidFill>
                   <a:srgbClr val="020302"/>
                 </a:solidFill>
                 <a:latin typeface="AdobeClean-Light"/>
                 <a:cs typeface="AdobeClean-Light"/>
               </a:rPr>
-              <a:t>with case </a:t>
-            </a:r>
-            <a:r>
-              <a:rPr lang="en-US" sz="1000" spc="-20" dirty="0">
+              <a:t>도움을 </a:t>
+            </a:r>
+            <a:r>
+              <a:rPr lang="ja-jp" sz="1000" spc="-20" dirty="0">
                 <a:solidFill>
                   <a:srgbClr val="020302"/>
                 </a:solidFill>
                 <a:latin typeface="AdobeClean-Light"/>
                 <a:cs typeface="AdobeClean-Light"/>
               </a:rPr>
-              <a:t>submission.</a:t>
+              <a:t>얻을 수 있습니다.</a:t>
             </a:r>
           </a:p>
           <a:p>
             <a:r>
-              <a:rPr lang="en-US" sz="1000" i="1" spc="-10" dirty="0">
+              <a:rPr lang="ja-jp" sz="1000" i="1" spc="-10" dirty="0">
                 <a:solidFill>
                   <a:srgbClr val="7A7A7A"/>
                 </a:solidFill>
                 <a:latin typeface="Adobe Clean Light" panose="020B0303020404020204" pitchFamily="34" charset="0"/>
                 <a:cs typeface="AdobeClean-LightIt"/>
               </a:rPr>
-              <a:t>Subject to local hours</a:t>
+              <a:t>로컬 운영 시간에 따라 변경</a:t>
+            </a:r>
+            <a:r>
+              <a:rPr lang="ja-jp" sz="1000" i="1" spc="-10">
+                <a:solidFill>
+                  <a:srgbClr val="7A7A7A"/>
+                </a:solidFill>
+                <a:latin typeface="Adobe Clean Light" panose="020B0303020404020204" pitchFamily="34" charset="0"/>
+                <a:cs typeface="AdobeClean-LightIt"/>
+              </a:rPr>
+              <a:t>될 수</a:t>
+            </a:r>
+            <a:br>
+              <a:rPr lang="en-US" altLang="ja-JP" sz="1000" i="1" spc="-10" dirty="0">
+                <a:solidFill>
+                  <a:srgbClr val="7A7A7A"/>
+                </a:solidFill>
+                <a:latin typeface="Adobe Clean Light" panose="020B0303020404020204" pitchFamily="34" charset="0"/>
+                <a:cs typeface="AdobeClean-LightIt"/>
+              </a:rPr>
+            </a:br>
+            <a:r>
+              <a:rPr lang="ja-jp" sz="1000" i="1" spc="-10">
+                <a:solidFill>
+                  <a:srgbClr val="7A7A7A"/>
+                </a:solidFill>
+                <a:latin typeface="Adobe Clean Light" panose="020B0303020404020204" pitchFamily="34" charset="0"/>
+                <a:cs typeface="AdobeClean-LightIt"/>
+              </a:rPr>
+              <a:t> </a:t>
+            </a:r>
+            <a:r>
+              <a:rPr lang="ja-jp" sz="1000" i="1" spc="-10" dirty="0">
+                <a:solidFill>
+                  <a:srgbClr val="7A7A7A"/>
+                </a:solidFill>
+                <a:latin typeface="Adobe Clean Light" panose="020B0303020404020204" pitchFamily="34" charset="0"/>
+                <a:cs typeface="AdobeClean-LightIt"/>
+              </a:rPr>
+              <a:t>있음</a:t>
             </a:r>
             <a:endParaRPr lang="en-US" sz="1000" i="1" dirty="0">
               <a:latin typeface="Adobe Clean Light" panose="020B0303020404020204" pitchFamily="34" charset="0"/>
@@ -9376,12 +9266,12 @@
               </a:spcAft>
             </a:pPr>
             <a:r>
-              <a:rPr lang="en-US" sz="1200" b="1" dirty="0">
+              <a:rPr lang="ja-jp" sz="1200" b="1" dirty="0">
                 <a:latin typeface="Adobe Clean" panose="020B0503020404020204" pitchFamily="34" charset="0"/>
                 <a:ea typeface="Open Sans" pitchFamily="34" charset="0"/>
                 <a:cs typeface="Open Sans" pitchFamily="34" charset="0"/>
               </a:rPr>
-              <a:t>Web Case Submission</a:t>
+              <a:t>웹 사례 제출</a:t>
             </a:r>
           </a:p>
         </p:txBody>
@@ -9414,19 +9304,19 @@
           <a:lstStyle/>
           <a:p>
             <a:r>
-              <a:rPr lang="en-US" sz="1000" dirty="0">
+              <a:rPr lang="ja-jp" sz="1000" dirty="0">
                 <a:solidFill>
                   <a:srgbClr val="020302"/>
                 </a:solidFill>
                 <a:latin typeface="AdobeClean-Light"/>
               </a:rPr>
-              <a:t>Authorized Users (Admins) </a:t>
-            </a:r>
-            <a:r>
-              <a:rPr lang="en-US" sz="1000" dirty="0">
+              <a:t>승인된 사용자(관리자)</a:t>
+            </a:r>
+            <a:r>
+              <a:rPr lang="ja-jp" sz="1000" dirty="0">
                 <a:latin typeface="Adobe Clean Light"/>
               </a:rPr>
-              <a:t>can submit unlimited web cases at any time for support issues for review by our technical support team.</a:t>
+              <a:t>는 언제든지 지원 문제에 대한 웹 사례를 당사의 기술 지원 팀에서 검토하도록 무제한으로 제출할 수 있습니다.</a:t>
             </a:r>
             <a:endParaRPr lang="en-US" sz="1000" dirty="0">
               <a:solidFill>
@@ -9941,36 +9831,36 @@
               </a:spcBef>
             </a:pPr>
             <a:r>
-              <a:rPr lang="en-US" spc="-10" dirty="0"/>
+              <a:rPr lang="ja-jp" spc="-10" dirty="0"/>
               <a:t>©202</a:t>
             </a:r>
             <a:r>
-              <a:rPr lang="en-US" spc="-5" dirty="0"/>
-              <a:t>2 Adobe. All</a:t>
-            </a:r>
-            <a:r>
-              <a:rPr lang="en-US" spc="-10" dirty="0"/>
+              <a:rPr lang="ja-jp" spc="-5" dirty="0"/>
+              <a:t>2 Adobe.All</a:t>
+            </a:r>
+            <a:r>
+              <a:rPr lang="ja-jp" spc="-10" dirty="0"/>
               <a:t> Rights</a:t>
             </a:r>
             <a:r>
-              <a:rPr lang="en-US" spc="-5" dirty="0"/>
+              <a:rPr lang="ja-jp" spc="-5" dirty="0"/>
               <a:t> </a:t>
             </a:r>
             <a:r>
-              <a:rPr lang="en-US" spc="-10" dirty="0"/>
+              <a:rPr lang="ja-jp" spc="-10" dirty="0"/>
               <a:t>Reserved.</a:t>
             </a:r>
             <a:r>
-              <a:rPr lang="en-US" spc="-5" dirty="0"/>
-              <a:t> Adobe</a:t>
-            </a:r>
-            <a:r>
-              <a:rPr lang="en-US" spc="60" dirty="0"/>
+              <a:rPr lang="ja-jp" spc="-5" dirty="0"/>
+              <a:t>Adobe</a:t>
+            </a:r>
+            <a:r>
+              <a:rPr lang="ja-jp" spc="60" dirty="0"/>
               <a:t> </a:t>
             </a:r>
             <a:r>
-              <a:rPr lang="en-US" spc="-10" dirty="0"/>
-              <a:t>Confidential.</a:t>
+              <a:rPr lang="ja-jp" spc="-10" dirty="0"/>
+              <a:t>기밀.</a:t>
             </a:r>
           </a:p>
         </p:txBody>
@@ -10027,17 +9917,17 @@
               </a:lnSpc>
             </a:pPr>
             <a:r>
-              <a:rPr sz="500" spc="-5" dirty="0">
+              <a:rPr lang="ja-jp" sz="500" spc="-5" dirty="0">
                 <a:solidFill>
                   <a:srgbClr val="6C6C6C"/>
                 </a:solidFill>
                 <a:latin typeface="Adobe Clean"/>
                 <a:cs typeface="Adobe Clean"/>
               </a:rPr>
-              <a:t>©2020 Adobe. All Rights Reserved. </a:t>
-            </a:r>
-            <a:r>
-              <a:rPr sz="500" dirty="0">
+              <a:t>© 2020 Adobe. All Rights Reserved.</a:t>
+            </a:r>
+            <a:r>
+              <a:rPr lang="ja-jp" sz="500" dirty="0">
                 <a:solidFill>
                   <a:srgbClr val="6C6C6C"/>
                 </a:solidFill>
@@ -10047,7 +9937,7 @@
               <a:t>Adobe</a:t>
             </a:r>
             <a:r>
-              <a:rPr sz="500" spc="5" dirty="0">
+              <a:rPr lang="ja-jp" sz="500" spc="5" dirty="0">
                 <a:solidFill>
                   <a:srgbClr val="6C6C6C"/>
                 </a:solidFill>
@@ -10057,14 +9947,14 @@
               <a:t> </a:t>
             </a:r>
             <a:r>
-              <a:rPr sz="500" spc="-5" dirty="0">
+              <a:rPr lang="ja-jp" sz="500" spc="-5" dirty="0">
                 <a:solidFill>
                   <a:srgbClr val="6C6C6C"/>
                 </a:solidFill>
                 <a:latin typeface="Adobe Clean"/>
                 <a:cs typeface="Adobe Clean"/>
               </a:rPr>
-              <a:t>Confidential.</a:t>
+              <a:t>기밀.</a:t>
             </a:r>
             <a:endParaRPr sz="500">
               <a:latin typeface="Adobe Clean"/>
@@ -10095,17 +9985,17 @@
               </a:spcBef>
             </a:pPr>
             <a:r>
-              <a:rPr sz="800" spc="-5" dirty="0">
+              <a:rPr lang="ja-jp" sz="800" spc="-5" dirty="0">
                 <a:solidFill>
                   <a:srgbClr val="6D6D6D"/>
                 </a:solidFill>
                 <a:latin typeface="Adobe Clean"/>
                 <a:cs typeface="Adobe Clean"/>
               </a:rPr>
-              <a:t>©2020 Adobe. All Rights Reserved. Adobe</a:t>
-            </a:r>
-            <a:r>
-              <a:rPr sz="800" spc="75" dirty="0">
+              <a:t>© 2020 Adobe. All Rights Reserved.Adobe</a:t>
+            </a:r>
+            <a:r>
+              <a:rPr lang="ja-jp" sz="800" spc="75" dirty="0">
                 <a:solidFill>
                   <a:srgbClr val="6D6D6D"/>
                 </a:solidFill>
@@ -10115,14 +10005,14 @@
               <a:t> </a:t>
             </a:r>
             <a:r>
-              <a:rPr sz="800" spc="-5" dirty="0">
+              <a:rPr lang="ja-jp" sz="800" spc="-5" dirty="0">
                 <a:solidFill>
                   <a:srgbClr val="6D6D6D"/>
                 </a:solidFill>
                 <a:latin typeface="Adobe Clean"/>
                 <a:cs typeface="Adobe Clean"/>
               </a:rPr>
-              <a:t>Confidential.</a:t>
+              <a:t>기밀.</a:t>
             </a:r>
             <a:endParaRPr sz="800">
               <a:latin typeface="Adobe Clean"/>
@@ -10211,14 +10101,14 @@
               </a:spcBef>
             </a:pPr>
             <a:r>
-              <a:rPr lang="en-US" sz="1400" b="1" spc="-15" dirty="0">
+              <a:rPr lang="ja-jp" sz="1400" b="1" spc="-15" dirty="0">
                 <a:solidFill>
                   <a:srgbClr val="020302"/>
                 </a:solidFill>
                 <a:latin typeface="Adobe Clean"/>
                 <a:cs typeface="Adobe Clean"/>
               </a:rPr>
-              <a:t>Resources</a:t>
+              <a:t>리소스</a:t>
             </a:r>
             <a:endParaRPr sz="1400" dirty="0">
               <a:latin typeface="Adobe Clean"/>
@@ -10257,7 +10147,7 @@
               </a:spcBef>
             </a:pPr>
             <a:r>
-              <a:rPr sz="800" spc="-15" dirty="0">
+              <a:rPr lang="ja-jp" sz="800" spc="-15" dirty="0">
                 <a:solidFill>
                   <a:srgbClr val="777879"/>
                 </a:solidFill>
@@ -10278,7 +10168,7 @@
               </a:lnSpc>
             </a:pPr>
             <a:r>
-              <a:rPr sz="800" spc="-15" dirty="0">
+              <a:rPr lang="ja-jp" sz="800" spc="-15" dirty="0">
                 <a:solidFill>
                   <a:srgbClr val="777879"/>
                 </a:solidFill>
@@ -10288,7 +10178,7 @@
               <a:t>345 Park</a:t>
             </a:r>
             <a:r>
-              <a:rPr sz="800" spc="-100" dirty="0">
+              <a:rPr lang="ja-jp" sz="800" spc="-100" dirty="0">
                 <a:solidFill>
                   <a:srgbClr val="777879"/>
                 </a:solidFill>
@@ -10298,7 +10188,7 @@
               <a:t> </a:t>
             </a:r>
             <a:r>
-              <a:rPr sz="800" spc="-15" dirty="0">
+              <a:rPr lang="ja-jp" sz="800" spc="-15" dirty="0">
                 <a:solidFill>
                   <a:srgbClr val="777879"/>
                 </a:solidFill>
@@ -10319,7 +10209,7 @@
               </a:lnSpc>
             </a:pPr>
             <a:r>
-              <a:rPr sz="800" spc="-10" dirty="0">
+              <a:rPr lang="ja-jp" sz="800" spc="-10" dirty="0">
                 <a:solidFill>
                   <a:srgbClr val="777879"/>
                 </a:solidFill>
@@ -10329,7 +10219,7 @@
               <a:t>San </a:t>
             </a:r>
             <a:r>
-              <a:rPr sz="800" spc="-15" dirty="0">
+              <a:rPr lang="ja-jp" sz="800" spc="-15" dirty="0">
                 <a:solidFill>
                   <a:srgbClr val="777879"/>
                 </a:solidFill>
@@ -10339,7 +10229,7 @@
               <a:t>Jose,</a:t>
             </a:r>
             <a:r>
-              <a:rPr sz="800" spc="-140" dirty="0">
+              <a:rPr lang="ja-jp" sz="800" spc="-140" dirty="0">
                 <a:solidFill>
                   <a:srgbClr val="777879"/>
                 </a:solidFill>
@@ -10349,7 +10239,7 @@
               <a:t> </a:t>
             </a:r>
             <a:r>
-              <a:rPr sz="800" spc="-20" dirty="0">
+              <a:rPr lang="ja-jp" sz="800" spc="-20" dirty="0">
                 <a:solidFill>
                   <a:srgbClr val="777879"/>
                 </a:solidFill>
@@ -10373,7 +10263,7 @@
               </a:spcBef>
             </a:pPr>
             <a:r>
-              <a:rPr sz="800" spc="-10" dirty="0">
+              <a:rPr lang="ja-jp" sz="800" spc="-10" dirty="0">
                 <a:solidFill>
                   <a:srgbClr val="777879"/>
                 </a:solidFill>
@@ -10397,7 +10287,7 @@
               </a:spcBef>
             </a:pPr>
             <a:r>
-              <a:rPr sz="800" u="sng" spc="-25" dirty="0">
+              <a:rPr lang="ja-jp" sz="800" u="sng" spc="-25" dirty="0">
                 <a:solidFill>
                   <a:srgbClr val="5F5F5F"/>
                 </a:solidFill>
@@ -10410,7 +10300,7 @@
                 <a:cs typeface="Adobe Clean"/>
                 <a:hlinkClick r:id="rId4"/>
               </a:rPr>
-              <a:t>www.adobe.com</a:t>
+              <a:t>www.adobe.com/kr/</a:t>
             </a:r>
             <a:endParaRPr sz="800">
               <a:latin typeface="Adobe Clean"/>
@@ -10590,17 +10480,17 @@
               </a:spcBef>
             </a:pPr>
             <a:r>
-              <a:rPr sz="1100" i="1" spc="-10" dirty="0">
+              <a:rPr lang="ja-jp" sz="1100" i="1" spc="-10" dirty="0">
                 <a:solidFill>
                   <a:srgbClr val="777879"/>
                 </a:solidFill>
                 <a:latin typeface="AdobeClean-LightIt"/>
                 <a:cs typeface="AdobeClean-LightIt"/>
               </a:rPr>
-              <a:t>To</a:t>
-            </a:r>
-            <a:r>
-              <a:rPr sz="1100" i="1" spc="-50" dirty="0">
+              <a:t>Adobe</a:t>
+            </a:r>
+            <a:r>
+              <a:rPr lang="ja-jp" sz="1100" i="1" spc="-50" dirty="0">
                 <a:solidFill>
                   <a:srgbClr val="777879"/>
                 </a:solidFill>
@@ -10610,17 +10500,17 @@
               <a:t> </a:t>
             </a:r>
             <a:r>
-              <a:rPr sz="1100" i="1" spc="-15" dirty="0">
+              <a:rPr lang="ja-jp" sz="1100" i="1" spc="-15" dirty="0">
                 <a:solidFill>
                   <a:srgbClr val="777879"/>
                 </a:solidFill>
                 <a:latin typeface="AdobeClean-LightIt"/>
                 <a:cs typeface="AdobeClean-LightIt"/>
               </a:rPr>
-              <a:t>learn</a:t>
-            </a:r>
-            <a:r>
-              <a:rPr sz="1100" i="1" spc="-40" dirty="0">
+              <a:t>지원</a:t>
+            </a:r>
+            <a:r>
+              <a:rPr lang="ja-jp" sz="1100" i="1" spc="-40" dirty="0">
                 <a:solidFill>
                   <a:srgbClr val="777879"/>
                 </a:solidFill>
@@ -10630,17 +10520,17 @@
               <a:t> </a:t>
             </a:r>
             <a:r>
-              <a:rPr sz="1100" i="1" spc="-15" dirty="0">
+              <a:rPr lang="ja-jp" sz="1100" i="1" spc="-15" dirty="0">
                 <a:solidFill>
                   <a:srgbClr val="777879"/>
                 </a:solidFill>
                 <a:latin typeface="AdobeClean-LightIt"/>
                 <a:cs typeface="AdobeClean-LightIt"/>
               </a:rPr>
-              <a:t>more</a:t>
-            </a:r>
-            <a:r>
-              <a:rPr sz="1100" i="1" spc="-45" dirty="0">
+              <a:t>서비스</a:t>
+            </a:r>
+            <a:r>
+              <a:rPr lang="ja-jp" sz="1100" i="1" spc="-45" dirty="0">
                 <a:solidFill>
                   <a:srgbClr val="777879"/>
                 </a:solidFill>
@@ -10650,17 +10540,17 @@
               <a:t> </a:t>
             </a:r>
             <a:r>
-              <a:rPr sz="1100" i="1" spc="-15" dirty="0">
+              <a:rPr lang="ja-jp" sz="1100" i="1" spc="-15" dirty="0">
                 <a:solidFill>
                   <a:srgbClr val="777879"/>
                 </a:solidFill>
                 <a:latin typeface="AdobeClean-LightIt"/>
                 <a:cs typeface="AdobeClean-LightIt"/>
               </a:rPr>
-              <a:t>about</a:t>
-            </a:r>
-            <a:r>
-              <a:rPr sz="1100" i="1" spc="-45" dirty="0">
+              <a:t>제공</a:t>
+            </a:r>
+            <a:r>
+              <a:rPr lang="ja-jp" sz="1100" i="1" spc="-45" dirty="0">
                 <a:solidFill>
                   <a:srgbClr val="777879"/>
                 </a:solidFill>
@@ -10670,17 +10560,17 @@
               <a:t> </a:t>
             </a:r>
             <a:r>
-              <a:rPr sz="1100" i="1" spc="-15" dirty="0">
+              <a:rPr lang="ja-jp" sz="1100" i="1" spc="-15" dirty="0">
                 <a:solidFill>
                   <a:srgbClr val="777879"/>
                 </a:solidFill>
                 <a:latin typeface="AdobeClean-LightIt"/>
                 <a:cs typeface="AdobeClean-LightIt"/>
               </a:rPr>
-              <a:t>Adobe</a:t>
-            </a:r>
-            <a:r>
-              <a:rPr sz="1100" i="1" spc="-50" dirty="0">
+              <a:t>사항</a:t>
+            </a:r>
+            <a:r>
+              <a:rPr lang="ja-jp" sz="1100" i="1" spc="-50" dirty="0">
                 <a:solidFill>
                   <a:srgbClr val="777879"/>
                 </a:solidFill>
@@ -10690,27 +10580,17 @@
               <a:t> </a:t>
             </a:r>
             <a:r>
-              <a:rPr sz="1100" i="1" spc="-15" dirty="0">
+              <a:rPr lang="ja-jp" sz="1100" i="1" spc="-15" dirty="0">
                 <a:solidFill>
                   <a:srgbClr val="777879"/>
                 </a:solidFill>
                 <a:latin typeface="AdobeClean-LightIt"/>
                 <a:cs typeface="AdobeClean-LightIt"/>
               </a:rPr>
-              <a:t>Support</a:t>
-            </a:r>
-            <a:r>
-              <a:rPr lang="en-US" sz="1100" i="1" spc="-15" dirty="0">
-                <a:solidFill>
-                  <a:srgbClr val="777879"/>
-                </a:solidFill>
-                <a:latin typeface="AdobeClean-LightIt"/>
-                <a:cs typeface="AdobeClean-LightIt"/>
-              </a:rPr>
-              <a:t> Offerings</a:t>
-            </a:r>
-            <a:r>
-              <a:rPr sz="1100" i="1" spc="-75" dirty="0">
+              <a:t>및 적합한</a:t>
+            </a:r>
+            <a:r>
+              <a:rPr lang="ja-jp" sz="1100" i="1" spc="-75" dirty="0">
                 <a:solidFill>
                   <a:srgbClr val="777879"/>
                 </a:solidFill>
@@ -10720,17 +10600,17 @@
               <a:t> </a:t>
             </a:r>
             <a:r>
-              <a:rPr sz="1100" i="1" spc="-15" dirty="0">
+              <a:rPr lang="ja-jp" sz="1100" i="1" spc="-15" dirty="0">
                 <a:solidFill>
                   <a:srgbClr val="777879"/>
                 </a:solidFill>
                 <a:latin typeface="AdobeClean-LightIt"/>
                 <a:cs typeface="AdobeClean-LightIt"/>
               </a:rPr>
-              <a:t>and</a:t>
-            </a:r>
-            <a:r>
-              <a:rPr sz="1100" i="1" spc="-50" dirty="0">
+              <a:t>지원</a:t>
+            </a:r>
+            <a:r>
+              <a:rPr lang="ja-jp" sz="1100" i="1" spc="-50" dirty="0">
                 <a:solidFill>
                   <a:srgbClr val="777879"/>
                 </a:solidFill>
@@ -10740,17 +10620,17 @@
               <a:t> </a:t>
             </a:r>
             <a:r>
-              <a:rPr sz="1100" i="1" spc="-15" dirty="0">
+              <a:rPr lang="ja-jp" sz="1100" i="1" spc="-15" dirty="0">
                 <a:solidFill>
                   <a:srgbClr val="777879"/>
                 </a:solidFill>
                 <a:latin typeface="AdobeClean-LightIt"/>
                 <a:cs typeface="AdobeClean-LightIt"/>
               </a:rPr>
-              <a:t>the</a:t>
-            </a:r>
-            <a:r>
-              <a:rPr sz="1100" i="1" spc="-55" dirty="0">
+              <a:t>수준에</a:t>
+            </a:r>
+            <a:r>
+              <a:rPr lang="ja-jp" sz="1100" i="1" spc="-55" dirty="0">
                 <a:solidFill>
                   <a:srgbClr val="777879"/>
                 </a:solidFill>
@@ -10760,17 +10640,17 @@
               <a:t> </a:t>
             </a:r>
             <a:r>
-              <a:rPr sz="1100" i="1" spc="-15" dirty="0">
+              <a:rPr lang="ja-jp" sz="1100" i="1" spc="-15" dirty="0">
                 <a:solidFill>
                   <a:srgbClr val="777879"/>
                 </a:solidFill>
                 <a:latin typeface="AdobeClean-LightIt"/>
                 <a:cs typeface="AdobeClean-LightIt"/>
               </a:rPr>
-              <a:t>right</a:t>
-            </a:r>
-            <a:r>
-              <a:rPr sz="1100" i="1" spc="-95" dirty="0">
+              <a:t>대해</a:t>
+            </a:r>
+            <a:r>
+              <a:rPr lang="ja-jp" sz="1100" i="1" spc="-95" dirty="0">
                 <a:solidFill>
                   <a:srgbClr val="777879"/>
                 </a:solidFill>
@@ -10780,17 +10660,17 @@
               <a:t> </a:t>
             </a:r>
             <a:r>
-              <a:rPr sz="1100" i="1" spc="-15" dirty="0">
+              <a:rPr lang="ja-jp" sz="1100" i="1" spc="-15" dirty="0">
                 <a:solidFill>
                   <a:srgbClr val="777879"/>
                 </a:solidFill>
                 <a:latin typeface="AdobeClean-LightIt"/>
                 <a:cs typeface="AdobeClean-LightIt"/>
               </a:rPr>
-              <a:t>level</a:t>
-            </a:r>
-            <a:r>
-              <a:rPr sz="1100" i="1" spc="-55" dirty="0">
+              <a:t>자세히</a:t>
+            </a:r>
+            <a:r>
+              <a:rPr lang="ja-jp" sz="1100" i="1" spc="-55" dirty="0">
                 <a:solidFill>
                   <a:srgbClr val="777879"/>
                 </a:solidFill>
@@ -10800,17 +10680,17 @@
               <a:t> </a:t>
             </a:r>
             <a:r>
-              <a:rPr sz="1100" i="1" spc="-15" dirty="0">
+              <a:rPr lang="ja-jp" sz="1100" i="1" spc="-15" dirty="0">
                 <a:solidFill>
                   <a:srgbClr val="777879"/>
                 </a:solidFill>
                 <a:latin typeface="AdobeClean-LightIt"/>
                 <a:cs typeface="AdobeClean-LightIt"/>
               </a:rPr>
-              <a:t>for</a:t>
-            </a:r>
-            <a:r>
-              <a:rPr sz="1100" i="1" spc="-85" dirty="0">
+              <a:t>알아보려면</a:t>
+            </a:r>
+            <a:r>
+              <a:rPr lang="ja-jp" sz="1100" i="1" spc="-85" dirty="0">
                 <a:solidFill>
                   <a:srgbClr val="777879"/>
                 </a:solidFill>
@@ -10820,17 +10700,17 @@
               <a:t> </a:t>
             </a:r>
             <a:r>
-              <a:rPr sz="1100" i="1" spc="-15" dirty="0">
+              <a:rPr lang="ja-jp" sz="1100" i="1" spc="-15" dirty="0">
                 <a:solidFill>
                   <a:srgbClr val="777879"/>
                 </a:solidFill>
                 <a:latin typeface="AdobeClean-LightIt"/>
                 <a:cs typeface="AdobeClean-LightIt"/>
               </a:rPr>
-              <a:t>you,</a:t>
-            </a:r>
-            <a:r>
-              <a:rPr sz="1100" i="1" spc="-65" dirty="0">
+              <a:t>지정</a:t>
+            </a:r>
+            <a:r>
+              <a:rPr lang="ja-jp" sz="1100" i="1" spc="-65" dirty="0">
                 <a:solidFill>
                   <a:srgbClr val="777879"/>
                 </a:solidFill>
@@ -10840,17 +10720,17 @@
               <a:t> </a:t>
             </a:r>
             <a:r>
-              <a:rPr sz="1100" i="1" spc="-15" dirty="0">
+              <a:rPr lang="ja-jp" sz="1100" i="1" spc="-15" dirty="0">
                 <a:solidFill>
                   <a:srgbClr val="777879"/>
                 </a:solidFill>
                 <a:latin typeface="AdobeClean-LightIt"/>
                 <a:cs typeface="AdobeClean-LightIt"/>
               </a:rPr>
-              <a:t>contact</a:t>
-            </a:r>
-            <a:r>
-              <a:rPr sz="1100" i="1" spc="-85" dirty="0">
+              <a:t>계정</a:t>
+            </a:r>
+            <a:r>
+              <a:rPr lang="ja-jp" sz="1100" i="1" spc="-85" dirty="0">
                 <a:solidFill>
                   <a:srgbClr val="777879"/>
                 </a:solidFill>
@@ -10860,17 +10740,17 @@
               <a:t> </a:t>
             </a:r>
             <a:r>
-              <a:rPr sz="1100" i="1" spc="-15" dirty="0">
+              <a:rPr lang="ja-jp" sz="1100" i="1" spc="-15" dirty="0">
                 <a:solidFill>
                   <a:srgbClr val="777879"/>
                 </a:solidFill>
                 <a:latin typeface="AdobeClean-LightIt"/>
                 <a:cs typeface="AdobeClean-LightIt"/>
               </a:rPr>
-              <a:t>your</a:t>
-            </a:r>
-            <a:r>
-              <a:rPr sz="1100" i="1" spc="-70" dirty="0">
+              <a:t>관리자(NAM)</a:t>
+            </a:r>
+            <a:r>
+              <a:rPr lang="ja-jp" sz="1100" i="1" spc="-55" dirty="0">
                 <a:solidFill>
                   <a:srgbClr val="777879"/>
                 </a:solidFill>
@@ -10880,17 +10760,17 @@
               <a:t> </a:t>
             </a:r>
             <a:r>
-              <a:rPr sz="1100" i="1" spc="-15" dirty="0">
+              <a:rPr lang="ja-jp" sz="1100" i="1" spc="-25" dirty="0">
                 <a:solidFill>
                   <a:srgbClr val="777879"/>
                 </a:solidFill>
                 <a:latin typeface="AdobeClean-LightIt"/>
                 <a:cs typeface="AdobeClean-LightIt"/>
               </a:rPr>
-              <a:t>Named</a:t>
-            </a:r>
-            <a:r>
-              <a:rPr sz="1100" i="1" spc="-55" dirty="0">
+              <a:t>또는</a:t>
+            </a:r>
+            <a:r>
+              <a:rPr lang="ja-jp" sz="1100" i="1" spc="-120" dirty="0">
                 <a:solidFill>
                   <a:srgbClr val="777879"/>
                 </a:solidFill>
@@ -10900,117 +10780,57 @@
               <a:t> </a:t>
             </a:r>
             <a:r>
-              <a:rPr sz="1100" i="1" spc="-25" dirty="0">
+              <a:rPr lang="ja-jp" sz="1100" i="1" spc="-20" dirty="0">
                 <a:solidFill>
                   <a:srgbClr val="777879"/>
                 </a:solidFill>
                 <a:latin typeface="AdobeClean-LightIt"/>
                 <a:cs typeface="AdobeClean-LightIt"/>
               </a:rPr>
-              <a:t>Account</a:t>
-            </a:r>
-            <a:r>
-              <a:rPr sz="1100" i="1" spc="-120" dirty="0">
+              <a:t>고객 </a:t>
+            </a:r>
+            <a:r>
+              <a:rPr lang="ja-jp" sz="1100" i="1" spc="-15" dirty="0">
                 <a:solidFill>
                   <a:srgbClr val="777879"/>
                 </a:solidFill>
                 <a:latin typeface="AdobeClean-LightIt"/>
                 <a:cs typeface="AdobeClean-LightIt"/>
               </a:rPr>
-              <a:t> </a:t>
-            </a:r>
-            <a:r>
-              <a:rPr sz="1100" i="1" spc="-20" dirty="0">
+              <a:t>성공 </a:t>
+            </a:r>
+            <a:r>
+              <a:rPr lang="ja-jp" sz="1100" i="1" spc="-10" dirty="0">
                 <a:solidFill>
                   <a:srgbClr val="777879"/>
                 </a:solidFill>
                 <a:latin typeface="AdobeClean-LightIt"/>
                 <a:cs typeface="AdobeClean-LightIt"/>
               </a:rPr>
-              <a:t>Manager </a:t>
-            </a:r>
-            <a:r>
-              <a:rPr sz="1100" i="1" spc="-15" dirty="0">
+              <a:t>관리자</a:t>
+            </a:r>
+            <a:r>
+              <a:rPr lang="ja-jp" sz="1100" i="1" spc="-15" dirty="0">
                 <a:solidFill>
                   <a:srgbClr val="777879"/>
                 </a:solidFill>
                 <a:latin typeface="AdobeClean-LightIt"/>
                 <a:cs typeface="AdobeClean-LightIt"/>
               </a:rPr>
-              <a:t>(NAM) </a:t>
-            </a:r>
-            <a:r>
-              <a:rPr sz="1100" i="1" spc="-10" dirty="0">
+              <a:t>(CSM)에게 </a:t>
+            </a:r>
+            <a:r>
+              <a:rPr lang="ja-jp" sz="1100" i="1" spc="-20" dirty="0">
                 <a:solidFill>
                   <a:srgbClr val="777879"/>
                 </a:solidFill>
                 <a:latin typeface="AdobeClean-LightIt"/>
                 <a:cs typeface="AdobeClean-LightIt"/>
               </a:rPr>
-              <a:t>or </a:t>
-            </a:r>
-            <a:r>
-              <a:rPr sz="1100" i="1" spc="-15" dirty="0">
-                <a:solidFill>
-                  <a:srgbClr val="777879"/>
-                </a:solidFill>
-                <a:latin typeface="AdobeClean-LightIt"/>
-                <a:cs typeface="AdobeClean-LightIt"/>
-              </a:rPr>
-              <a:t>Customer </a:t>
-            </a:r>
-            <a:r>
-              <a:rPr sz="1100" i="1" spc="-20" dirty="0">
-                <a:solidFill>
-                  <a:srgbClr val="777879"/>
-                </a:solidFill>
-                <a:latin typeface="AdobeClean-LightIt"/>
-                <a:cs typeface="AdobeClean-LightIt"/>
-              </a:rPr>
-              <a:t>Success</a:t>
-            </a:r>
-            <a:r>
-              <a:rPr sz="1100" i="1" spc="-180" dirty="0">
-                <a:solidFill>
-                  <a:srgbClr val="777879"/>
-                </a:solidFill>
-                <a:latin typeface="AdobeClean-LightIt"/>
-                <a:cs typeface="AdobeClean-LightIt"/>
-              </a:rPr>
-              <a:t> </a:t>
-            </a:r>
-            <a:r>
-              <a:rPr sz="1100" i="1" spc="-15" dirty="0">
-                <a:solidFill>
-                  <a:srgbClr val="777879"/>
-                </a:solidFill>
-                <a:latin typeface="AdobeClean-LightIt"/>
-                <a:cs typeface="AdobeClean-LightIt"/>
-              </a:rPr>
-              <a:t>Manager</a:t>
-            </a:r>
-            <a:r>
-              <a:rPr lang="en-US" sz="1100" i="1" spc="-15" dirty="0">
-                <a:solidFill>
-                  <a:srgbClr val="777879"/>
-                </a:solidFill>
-                <a:latin typeface="AdobeClean-LightIt"/>
-                <a:cs typeface="AdobeClean-LightIt"/>
-              </a:rPr>
-              <a:t> </a:t>
-            </a:r>
-            <a:r>
-              <a:rPr sz="1100" i="1" spc="-15" dirty="0">
-                <a:solidFill>
-                  <a:srgbClr val="777879"/>
-                </a:solidFill>
-                <a:latin typeface="AdobeClean-LightIt"/>
-                <a:cs typeface="AdobeClean-LightIt"/>
-              </a:rPr>
-              <a:t>(CSM)</a:t>
-            </a:r>
-            <a:r>
-              <a:rPr lang="en-US" sz="1100" i="1" spc="-15" dirty="0">
+              <a:t>문의하십시오</a:t>
+            </a:r>
+            <a:r>
+              <a:rPr lang="ja-jp" sz="1100" i="1" spc="-15" dirty="0">
                 <a:solidFill>
                   <a:srgbClr val="777879"/>
                 </a:solidFill>
@@ -11034,37 +10854,17 @@
               </a:spcBef>
             </a:pPr>
             <a:r>
-              <a:rPr sz="800" spc="-5" dirty="0">
+              <a:rPr lang="ja-jp" sz="800" spc="-5" dirty="0">
                 <a:solidFill>
                   <a:srgbClr val="6D6D6D"/>
                 </a:solidFill>
                 <a:latin typeface="Adobe Clean"/>
                 <a:cs typeface="Adobe Clean"/>
               </a:rPr>
-              <a:t>©202</a:t>
-            </a:r>
-            <a:r>
-              <a:rPr lang="en-US" sz="800" spc="-5" dirty="0">
-                <a:solidFill>
-                  <a:srgbClr val="6D6D6D"/>
-                </a:solidFill>
-                <a:latin typeface="Adobe Clean"/>
-                <a:cs typeface="Adobe Clean"/>
-              </a:rPr>
-              <a:t>2</a:t>
-            </a:r>
-            <a:r>
-              <a:rPr sz="800" spc="-5" dirty="0">
-                <a:solidFill>
-                  <a:srgbClr val="6D6D6D"/>
-                </a:solidFill>
-                <a:latin typeface="Adobe Clean"/>
-                <a:cs typeface="Adobe Clean"/>
-              </a:rPr>
-              <a:t> Adobe. All Rights Reserved. Adobe</a:t>
-            </a:r>
-            <a:r>
-              <a:rPr sz="800" spc="75" dirty="0">
+              <a:t>©2022 Adobe.All Rights Reserved.Adobe</a:t>
+            </a:r>
+            <a:r>
+              <a:rPr lang="ja-jp" sz="800" spc="75" dirty="0">
                 <a:solidFill>
                   <a:srgbClr val="6D6D6D"/>
                 </a:solidFill>
@@ -11074,14 +10874,14 @@
               <a:t> </a:t>
             </a:r>
             <a:r>
-              <a:rPr sz="800" spc="-5" dirty="0">
+              <a:rPr lang="ja-jp" sz="800" spc="-5" dirty="0">
                 <a:solidFill>
                   <a:srgbClr val="6D6D6D"/>
                 </a:solidFill>
                 <a:latin typeface="Adobe Clean"/>
                 <a:cs typeface="Adobe Clean"/>
               </a:rPr>
-              <a:t>Confidential.</a:t>
+              <a:t>기밀.</a:t>
             </a:r>
             <a:endParaRPr sz="800" dirty="0">
               <a:latin typeface="Adobe Clean"/>
@@ -11123,14 +10923,14 @@
               </a:spcBef>
             </a:pPr>
             <a:r>
-              <a:rPr lang="en-US" sz="1400" b="1" spc="-15" dirty="0">
+              <a:rPr lang="ja-jp" sz="1400" b="1" spc="-15" dirty="0">
                 <a:solidFill>
                   <a:srgbClr val="020302"/>
                 </a:solidFill>
                 <a:latin typeface="Adobe Clean"/>
                 <a:cs typeface="Adobe Clean"/>
               </a:rPr>
-              <a:t>Regional Hours Of Operation And Language Support</a:t>
+              <a:t>지역별 운영 시간 및 언어 지원</a:t>
             </a:r>
           </a:p>
           <a:p>
@@ -11140,13 +10940,13 @@
               </a:spcBef>
             </a:pPr>
             <a:r>
-              <a:rPr lang="en-US" sz="1000" spc="-15" dirty="0">
+              <a:rPr lang="ja-jp" sz="1000" spc="-15" dirty="0">
                 <a:solidFill>
                   <a:srgbClr val="1F1F1F"/>
                 </a:solidFill>
                 <a:latin typeface="AdobeClean-Light"/>
               </a:rPr>
-              <a:t>Adobe’s local business hours align to the customer’s billing region.</a:t>
+              <a:t>Adobe의 현지 업무 시간은 고객의 과금 지역에 맞춰 조정됩니다.</a:t>
             </a:r>
           </a:p>
         </p:txBody>
@@ -11173,7 +10973,7 @@
         </p:nvGraphicFramePr>
         <p:xfrm>
           <a:off x="171128" y="5907213"/>
-          <a:ext cx="7391400" cy="1336040"/>
+          <a:ext cx="7391400" cy="1280160"/>
         </p:xfrm>
         <a:graphic>
           <a:graphicData uri="http://schemas.openxmlformats.org/drawingml/2006/table">
@@ -11219,16 +11019,16 @@
                     <a:p>
                       <a:pPr algn="ctr"/>
                       <a:r>
-                        <a:rPr lang="en-US" sz="1100" dirty="0">
+                        <a:rPr lang="ja-jp" sz="1100" dirty="0">
                           <a:solidFill>
                             <a:schemeClr val="tx1"/>
                           </a:solidFill>
                           <a:latin typeface="Adobe Clean" panose="020B0503020404020204" pitchFamily="34" charset="0"/>
                         </a:rPr>
-                        <a:t>Americas </a:t>
+                        <a:t>미주 </a:t>
                       </a:r>
                       <a:r>
-                        <a:rPr lang="en-US" sz="1100" baseline="30000" dirty="0">
+                        <a:rPr lang="ja-jp" sz="1100" baseline="30000" dirty="0">
                           <a:solidFill>
                             <a:schemeClr val="tx1"/>
                           </a:solidFill>
@@ -11293,13 +11093,13 @@
                     <a:p>
                       <a:pPr algn="ctr"/>
                       <a:r>
-                        <a:rPr lang="en-US" sz="1100" dirty="0">
+                        <a:rPr lang="ja-jp" sz="1100" dirty="0">
                           <a:solidFill>
                             <a:schemeClr val="tx1"/>
                           </a:solidFill>
                           <a:latin typeface="Adobe Clean" panose="020B0503020404020204" pitchFamily="34" charset="0"/>
                         </a:rPr>
-                        <a:t>Europe, Middle East &amp; Africa</a:t>
+                        <a:t>유럽, 중동 및 아프리카</a:t>
                       </a:r>
                     </a:p>
                   </a:txBody>
@@ -11358,13 +11158,13 @@
                     <a:p>
                       <a:pPr algn="ctr"/>
                       <a:r>
-                        <a:rPr lang="en-US" sz="1100" dirty="0">
+                        <a:rPr lang="ja-jp" sz="1100" dirty="0">
                           <a:solidFill>
                             <a:schemeClr val="tx1"/>
                           </a:solidFill>
                           <a:latin typeface="Adobe Clean" panose="020B0503020404020204" pitchFamily="34" charset="0"/>
                         </a:rPr>
-                        <a:t>Asia Pacific</a:t>
+                        <a:t>아시아 태평양</a:t>
                       </a:r>
                     </a:p>
                   </a:txBody>
@@ -11423,13 +11223,13 @@
                     <a:p>
                       <a:pPr algn="ctr"/>
                       <a:r>
-                        <a:rPr lang="en-US" sz="1100" dirty="0">
+                        <a:rPr lang="ja-jp" sz="1100" dirty="0">
                           <a:solidFill>
                             <a:schemeClr val="tx1"/>
                           </a:solidFill>
                           <a:latin typeface="Adobe Clean" panose="020B0503020404020204" pitchFamily="34" charset="0"/>
                         </a:rPr>
-                        <a:t>Japan </a:t>
+                        <a:t>일본</a:t>
                       </a:r>
                     </a:p>
                   </a:txBody>
@@ -11495,7 +11295,7 @@
                     <a:p>
                       <a:pPr algn="ctr"/>
                       <a:r>
-                        <a:rPr lang="en-US" sz="1100" dirty="0">
+                        <a:rPr lang="ja-jp" sz="1100" dirty="0">
                           <a:solidFill>
                             <a:schemeClr val="tx1"/>
                           </a:solidFill>
@@ -11560,13 +11360,13 @@
                     <a:p>
                       <a:pPr algn="ctr"/>
                       <a:r>
-                        <a:rPr lang="en-US" sz="1100" dirty="0">
+                        <a:rPr lang="ja-jp" sz="1100" dirty="0">
                           <a:solidFill>
                             <a:schemeClr val="tx1"/>
                           </a:solidFill>
                           <a:latin typeface="Adobe Clean" panose="020B0503020404020204" pitchFamily="34" charset="0"/>
                         </a:rPr>
-                        <a:t>9 am – 5 pm</a:t>
+                        <a:t>오전 9시~오후 5시</a:t>
                       </a:r>
                     </a:p>
                   </a:txBody>
@@ -11625,13 +11425,13 @@
                     <a:p>
                       <a:pPr algn="ctr"/>
                       <a:r>
-                        <a:rPr lang="en-US" sz="1100" dirty="0">
+                        <a:rPr lang="ja-jp" sz="1100" dirty="0">
                           <a:solidFill>
                             <a:schemeClr val="tx1"/>
                           </a:solidFill>
                           <a:latin typeface="Adobe Clean" panose="020B0503020404020204" pitchFamily="34" charset="0"/>
                         </a:rPr>
-                        <a:t>9 am – 5 pm</a:t>
+                        <a:t>오전 9시~오후 5시</a:t>
                       </a:r>
                     </a:p>
                   </a:txBody>
@@ -11690,13 +11490,13 @@
                     <a:p>
                       <a:pPr algn="ctr"/>
                       <a:r>
-                        <a:rPr lang="en-US" sz="1100" dirty="0">
+                        <a:rPr lang="ja-jp" sz="1100" dirty="0">
                           <a:solidFill>
                             <a:schemeClr val="tx1"/>
                           </a:solidFill>
                           <a:latin typeface="Adobe Clean" panose="020B0503020404020204" pitchFamily="34" charset="0"/>
                         </a:rPr>
-                        <a:t>9 am – 5:30 pm</a:t>
+                        <a:t>오전 9시~오후 5시 30분</a:t>
                       </a:r>
                     </a:p>
                   </a:txBody>
@@ -11803,7 +11603,7 @@
                         <a:defRPr/>
                       </a:pPr>
                       <a:r>
-                        <a:rPr lang="en-US" sz="1100" baseline="30000" dirty="0">
+                        <a:rPr lang="ja-jp" sz="1100" baseline="30000" dirty="0">
                           <a:solidFill>
                             <a:schemeClr val="tx1"/>
                           </a:solidFill>
@@ -11812,13 +11612,13 @@
                         <a:t>1</a:t>
                       </a:r>
                       <a:r>
-                        <a:rPr lang="en-US" sz="1100" dirty="0">
+                        <a:rPr lang="ja-jp" sz="1100" dirty="0">
                           <a:solidFill>
                             <a:schemeClr val="tx1"/>
                           </a:solidFill>
                           <a:latin typeface="Adobe Clean" panose="020B0503020404020204" pitchFamily="34" charset="0"/>
                         </a:rPr>
-                        <a:t>Americas Language support available in English only.</a:t>
+                        <a:t>미주 언어 지원은 영어로만 제공됩니다.</a:t>
                       </a:r>
                     </a:p>
                     <a:p>
@@ -12207,7 +12007,7 @@
           </a:bodyPr>
           <a:lstStyle/>
           <a:p>
-            <a:pPr marL="139065" marR="5080" indent="-139065">
+            <a:pPr marL="12700" marR="5080" indent="-12700" algn="ctr">
               <a:lnSpc>
                 <a:spcPts val="1390"/>
               </a:lnSpc>
@@ -12216,124 +12016,53 @@
               </a:spcBef>
             </a:pPr>
             <a:r>
-              <a:rPr sz="1200" b="1" spc="-15" dirty="0">
+              <a:rPr lang="ja-jp" sz="1200" b="1" spc="-15" dirty="0">
                 <a:solidFill>
                   <a:srgbClr val="FFFFFF"/>
                 </a:solidFill>
                 <a:latin typeface="Adobe Clean"/>
                 <a:cs typeface="Adobe Clean"/>
               </a:rPr>
-              <a:t>U</a:t>
-            </a:r>
-            <a:r>
-              <a:rPr sz="1200" b="1" spc="-20" dirty="0">
+              <a:t>탁</a:t>
+            </a:r>
+            <a:r>
+              <a:rPr lang="ja-jp" sz="1200" b="1" spc="-15">
                 <a:solidFill>
                   <a:srgbClr val="FFFFFF"/>
                 </a:solidFill>
                 <a:latin typeface="Adobe Clean"/>
                 <a:cs typeface="Adobe Clean"/>
               </a:rPr>
-              <a:t>n</a:t>
-            </a:r>
-            <a:r>
-              <a:rPr sz="1200" b="1" spc="-25" dirty="0">
+              <a:t>월한</a:t>
+            </a:r>
+            <a:br>
+              <a:rPr lang="en-US" altLang="ja-JP" sz="1200" b="1" spc="-15" dirty="0">
                 <a:solidFill>
                   <a:srgbClr val="FFFFFF"/>
                 </a:solidFill>
                 <a:latin typeface="Adobe Clean"/>
                 <a:cs typeface="Adobe Clean"/>
               </a:rPr>
-              <a:t>p</a:t>
-            </a:r>
-            <a:r>
-              <a:rPr sz="1200" b="1" spc="-15" dirty="0">
+            </a:br>
+            <a:r>
+              <a:rPr lang="ja-jp" sz="1200" b="1">
                 <a:solidFill>
                   <a:srgbClr val="FFFFFF"/>
                 </a:solidFill>
                 <a:latin typeface="Adobe Clean"/>
                 <a:cs typeface="Adobe Clean"/>
               </a:rPr>
-              <a:t>a</a:t>
-            </a:r>
-            <a:r>
-              <a:rPr sz="1200" b="1" spc="-25" dirty="0">
+              <a:t> </a:t>
+            </a:r>
+            <a:r>
+              <a:rPr lang="ja-jp" sz="1200" b="1" spc="-25" dirty="0">
                 <a:solidFill>
                   <a:srgbClr val="FFFFFF"/>
                 </a:solidFill>
                 <a:latin typeface="Adobe Clean"/>
                 <a:cs typeface="Adobe Clean"/>
               </a:rPr>
-              <a:t>r</a:t>
-            </a:r>
-            <a:r>
-              <a:rPr sz="1200" b="1" spc="-15" dirty="0">
-                <a:solidFill>
-                  <a:srgbClr val="FFFFFF"/>
-                </a:solidFill>
-                <a:latin typeface="Adobe Clean"/>
-                <a:cs typeface="Adobe Clean"/>
-              </a:rPr>
-              <a:t>a</a:t>
-            </a:r>
-            <a:r>
-              <a:rPr sz="1200" b="1" spc="-30" dirty="0">
-                <a:solidFill>
-                  <a:srgbClr val="FFFFFF"/>
-                </a:solidFill>
-                <a:latin typeface="Adobe Clean"/>
-                <a:cs typeface="Adobe Clean"/>
-              </a:rPr>
-              <a:t>ll</a:t>
-            </a:r>
-            <a:r>
-              <a:rPr sz="1200" b="1" spc="-25" dirty="0">
-                <a:solidFill>
-                  <a:srgbClr val="FFFFFF"/>
-                </a:solidFill>
-                <a:latin typeface="Adobe Clean"/>
-                <a:cs typeface="Adobe Clean"/>
-              </a:rPr>
-              <a:t>e</a:t>
-            </a:r>
-            <a:r>
-              <a:rPr sz="1200" b="1" spc="-30" dirty="0">
-                <a:solidFill>
-                  <a:srgbClr val="FFFFFF"/>
-                </a:solidFill>
-                <a:latin typeface="Adobe Clean"/>
-                <a:cs typeface="Adobe Clean"/>
-              </a:rPr>
-              <a:t>l</a:t>
-            </a:r>
-            <a:r>
-              <a:rPr sz="1200" b="1" spc="-25" dirty="0">
-                <a:solidFill>
-                  <a:srgbClr val="FFFFFF"/>
-                </a:solidFill>
-                <a:latin typeface="Adobe Clean"/>
-                <a:cs typeface="Adobe Clean"/>
-              </a:rPr>
-              <a:t>e</a:t>
-            </a:r>
-            <a:r>
-              <a:rPr sz="1200" b="1" dirty="0">
-                <a:solidFill>
-                  <a:srgbClr val="FFFFFF"/>
-                </a:solidFill>
-                <a:latin typeface="Adobe Clean"/>
-                <a:cs typeface="Adobe Clean"/>
-              </a:rPr>
-              <a:t>d  </a:t>
-            </a:r>
-            <a:r>
-              <a:rPr sz="1200" b="1" spc="-25" dirty="0">
-                <a:solidFill>
-                  <a:srgbClr val="FFFFFF"/>
-                </a:solidFill>
-                <a:latin typeface="Adobe Clean"/>
-                <a:cs typeface="Adobe Clean"/>
-              </a:rPr>
-              <a:t>Expertise</a:t>
+              <a:t>전문성</a:t>
             </a:r>
             <a:endParaRPr sz="1200" dirty="0">
               <a:latin typeface="Adobe Clean"/>
@@ -12357,7 +12086,7 @@
         <p:spPr>
           <a:xfrm>
             <a:off x="4732495" y="8541244"/>
-            <a:ext cx="810895" cy="382797"/>
+            <a:ext cx="810895" cy="203261"/>
           </a:xfrm>
           <a:prstGeom prst="rect">
             <a:avLst/>
@@ -12369,7 +12098,7 @@
           </a:bodyPr>
           <a:lstStyle/>
           <a:p>
-            <a:pPr marL="139065" marR="5080" indent="-139065">
+            <a:pPr marL="139065" marR="5080" indent="-139065" algn="ctr">
               <a:lnSpc>
                 <a:spcPts val="1390"/>
               </a:lnSpc>
@@ -12378,14 +12107,14 @@
               </a:spcBef>
             </a:pPr>
             <a:r>
-              <a:rPr lang="en-US" sz="1200" b="1" spc="-15" dirty="0">
+              <a:rPr lang="ja-jp" sz="1200" b="1" spc="-15" dirty="0">
                 <a:solidFill>
                   <a:srgbClr val="FFFFFF"/>
                 </a:solidFill>
                 <a:latin typeface="Adobe Clean"/>
                 <a:cs typeface="Adobe Clean"/>
               </a:rPr>
-              <a:t>Accelerated Support</a:t>
+              <a:t>신속한 지원</a:t>
             </a:r>
             <a:endParaRPr sz="1200" dirty="0">
               <a:latin typeface="Adobe Clean"/>
@@ -12421,7 +12150,7 @@
           </a:bodyPr>
           <a:lstStyle/>
           <a:p>
-            <a:pPr marL="50800" marR="5080" indent="-51435">
+            <a:pPr marL="12700" marR="5080" indent="-12700" algn="ctr">
               <a:lnSpc>
                 <a:spcPts val="1390"/>
               </a:lnSpc>
@@ -12430,104 +12159,34 @@
               </a:spcBef>
             </a:pPr>
             <a:r>
-              <a:rPr sz="1200" b="1" spc="-50" dirty="0">
+              <a:rPr lang="ja-jp" sz="1200" b="1" spc="-50" dirty="0">
                 <a:solidFill>
                   <a:srgbClr val="FFFFFF"/>
                 </a:solidFill>
                 <a:latin typeface="Adobe Clean"/>
                 <a:cs typeface="Adobe Clean"/>
               </a:rPr>
-              <a:t>S</a:t>
-            </a:r>
-            <a:r>
-              <a:rPr sz="1200" b="1" spc="-20" dirty="0">
+              <a:t>전략적</a:t>
+            </a:r>
+            <a:r>
+              <a:rPr lang="ja-jp" sz="1200" b="1" dirty="0">
                 <a:solidFill>
                   <a:srgbClr val="FFFFFF"/>
                 </a:solidFill>
                 <a:latin typeface="Adobe Clean"/>
                 <a:cs typeface="Adobe Clean"/>
               </a:rPr>
-              <a:t>t</a:t>
-            </a:r>
-            <a:r>
-              <a:rPr sz="1200" b="1" spc="-75" dirty="0">
+              <a:t> </a:t>
+            </a:r>
+            <a:r>
+              <a:rPr lang="ja-jp" sz="1200" b="1" spc="-45" dirty="0">
                 <a:solidFill>
                   <a:srgbClr val="FFFFFF"/>
                 </a:solidFill>
                 <a:latin typeface="Adobe Clean"/>
                 <a:cs typeface="Adobe Clean"/>
               </a:rPr>
-              <a:t>r</a:t>
-            </a:r>
-            <a:r>
-              <a:rPr sz="1200" b="1" spc="-90" dirty="0">
-                <a:solidFill>
-                  <a:srgbClr val="FFFFFF"/>
-                </a:solidFill>
-                <a:latin typeface="Adobe Clean"/>
-                <a:cs typeface="Adobe Clean"/>
-              </a:rPr>
-              <a:t>a</a:t>
-            </a:r>
-            <a:r>
-              <a:rPr sz="1200" b="1" spc="-55" dirty="0">
-                <a:solidFill>
-                  <a:srgbClr val="FFFFFF"/>
-                </a:solidFill>
-                <a:latin typeface="Adobe Clean"/>
-                <a:cs typeface="Adobe Clean"/>
-              </a:rPr>
-              <a:t>t</a:t>
-            </a:r>
-            <a:r>
-              <a:rPr sz="1200" b="1" spc="-100" dirty="0">
-                <a:solidFill>
-                  <a:srgbClr val="FFFFFF"/>
-                </a:solidFill>
-                <a:latin typeface="Adobe Clean"/>
-                <a:cs typeface="Adobe Clean"/>
-              </a:rPr>
-              <a:t>e</a:t>
-            </a:r>
-            <a:r>
-              <a:rPr sz="1200" b="1" spc="-80" dirty="0">
-                <a:solidFill>
-                  <a:srgbClr val="FFFFFF"/>
-                </a:solidFill>
-                <a:latin typeface="Adobe Clean"/>
-                <a:cs typeface="Adobe Clean"/>
-              </a:rPr>
-              <a:t>g</a:t>
-            </a:r>
-            <a:r>
-              <a:rPr sz="1200" b="1" spc="-35" dirty="0">
-                <a:solidFill>
-                  <a:srgbClr val="FFFFFF"/>
-                </a:solidFill>
-                <a:latin typeface="Adobe Clean"/>
-                <a:cs typeface="Adobe Clean"/>
-              </a:rPr>
-              <a:t>i</a:t>
-            </a:r>
-            <a:r>
-              <a:rPr sz="1200" b="1" dirty="0">
-                <a:solidFill>
-                  <a:srgbClr val="FFFFFF"/>
-                </a:solidFill>
-                <a:latin typeface="Adobe Clean"/>
-                <a:cs typeface="Adobe Clean"/>
-              </a:rPr>
-              <a:t>c  </a:t>
-            </a:r>
-            <a:r>
-              <a:rPr sz="1200" b="1" spc="-45" dirty="0">
-                <a:solidFill>
-                  <a:srgbClr val="FFFFFF"/>
-                </a:solidFill>
-                <a:latin typeface="Adobe Clean"/>
-                <a:cs typeface="Adobe Clean"/>
-              </a:rPr>
-              <a:t>Advice</a:t>
+              <a:t>조언</a:t>
             </a:r>
             <a:endParaRPr sz="1200" dirty="0">
               <a:latin typeface="Adobe Clean"/>
@@ -12538,7 +12197,7 @@
       </p:sp>
       <p:pic>
         <p:nvPicPr>
-          <p:cNvPr id="8" name="Graphic 7" descr="Target outline">
+          <p:cNvPr id="8" name="Graphic 7" descr="타겟 개요">
             <a:extLst>
               <a:ext uri="{FF2B5EF4-FFF2-40B4-BE49-F238E27FC236}">
                 <a16:creationId xmlns:a16="http://schemas.microsoft.com/office/drawing/2014/main" id="{1EAA263E-04A7-0D46-952E-EA3033B45116}"/>
@@ -12577,7 +12236,7 @@
       </p:pic>
       <p:pic>
         <p:nvPicPr>
-          <p:cNvPr id="10" name="Graphic 9" descr="Rocket outline">
+          <p:cNvPr id="10" name="Graphic 9" descr="로켓 개요">
             <a:extLst>
               <a:ext uri="{FF2B5EF4-FFF2-40B4-BE49-F238E27FC236}">
                 <a16:creationId xmlns:a16="http://schemas.microsoft.com/office/drawing/2014/main" id="{A068EBC3-B418-4E4A-A520-101CA4B39F23}"/>
@@ -12616,7 +12275,7 @@
       </p:pic>
       <p:pic>
         <p:nvPicPr>
-          <p:cNvPr id="12" name="Graphic 11" descr="Medal outline">
+          <p:cNvPr id="12" name="Graphic 11" descr="메달 개요">
             <a:extLst>
               <a:ext uri="{FF2B5EF4-FFF2-40B4-BE49-F238E27FC236}">
                 <a16:creationId xmlns:a16="http://schemas.microsoft.com/office/drawing/2014/main" id="{C7BEFC2D-0CA6-0448-B9FA-6E1581CA6D36}"/>
@@ -12709,7 +12368,7 @@
                         <a:buNone/>
                       </a:pPr>
                       <a:r>
-                        <a:rPr lang="en-US" sz="1200" b="0" strike="noStrike" dirty="0">
+                        <a:rPr lang="ja-jp" sz="1200" b="0" strike="noStrike" dirty="0">
                           <a:solidFill>
                             <a:srgbClr val="5F5F5F"/>
                           </a:solidFill>
@@ -12718,7 +12377,7 @@
                           <a:cs typeface="+mn-cs"/>
                           <a:hlinkClick r:id="rId14"/>
                         </a:rPr>
-                        <a:t>Enterprise Learn &amp; Support</a:t>
+                        <a:t>Enterprise 학습 및 지원</a:t>
                       </a:r>
                       <a:endParaRPr lang="en-US"/>
                     </a:p>
@@ -12792,7 +12451,7 @@
                         <a:buNone/>
                       </a:pPr>
                       <a:r>
-                        <a:rPr lang="en-US" sz="1000" b="0" strike="noStrike" kern="1200" dirty="0">
+                        <a:rPr lang="ja-jp" sz="1000" b="0" strike="noStrike" kern="1200" dirty="0">
                           <a:solidFill>
                             <a:schemeClr val="tx1"/>
                           </a:solidFill>
@@ -12800,7 +12459,7 @@
                           <a:ea typeface="+mn-ea"/>
                           <a:cs typeface="+mn-cs"/>
                         </a:rPr>
-                        <a:t>Enterprise Learn &amp; Support is a place where Adobe customers can find self-help tutorials, product documentation, instructor-led training, community and support for select Adobe Creative Cloud and Document products.</a:t>
+                        <a:t>엔터프라이즈 학습 및 지원은 Adobe 고객이 Adobe Creative Cloud 및 Document Cloud 제품 선택에 대한 자가 진단 튜토리얼, 제품 설명서, 강의식 교육, 커뮤니티 및 기술 지원을 찾을 수 있는 공간입니다.</a:t>
                       </a:r>
                     </a:p>
                   </a:txBody>
@@ -12882,7 +12541,7 @@
                         <a:defRPr/>
                       </a:pPr>
                       <a:r>
-                        <a:rPr lang="en-US" sz="1200" strike="noStrike" dirty="0">
+                        <a:rPr lang="ja-jp" sz="1200" strike="noStrike" dirty="0">
                           <a:solidFill>
                             <a:srgbClr val="5F5F5F"/>
                           </a:solidFill>
@@ -12898,7 +12557,7 @@
                             </a:extLst>
                           </a:hlinkClick>
                         </a:rPr>
-                        <a:t>Adobe Support Community </a:t>
+                        <a:t>Adobe 지원 커뮤니티 </a:t>
                       </a:r>
                       <a:endParaRPr lang="en-US" sz="1200" strike="noStrike" dirty="0">
                         <a:solidFill>
@@ -12982,7 +12641,7 @@
                         <a:defRPr/>
                       </a:pPr>
                       <a:r>
-                        <a:rPr lang="en-US" sz="1000" strike="noStrike" kern="1200" dirty="0">
+                        <a:rPr lang="ja-jp" sz="1000" strike="noStrike" kern="1200" dirty="0">
                           <a:solidFill>
                             <a:schemeClr val="tx1"/>
                           </a:solidFill>
@@ -12990,7 +12649,7 @@
                           <a:ea typeface="+mn-ea"/>
                           <a:cs typeface="+mn-cs"/>
                         </a:rPr>
-                        <a:t>The Adobe Support Community is the place to ask questions, find answers, learn from experts and share your knowledge.</a:t>
+                        <a:t>Adobe 지원 커뮤니티는 질문을 묻고, 답변을 얻고, 전문가의 의견을 구하고, 지식을 공유할 수 있는 공간입니다.</a:t>
                       </a:r>
                       <a:endParaRPr lang="en-US" sz="1000" strike="noStrike" kern="1200" dirty="0">
                         <a:solidFill>
@@ -13083,7 +12742,7 @@
                         <a:defRPr/>
                       </a:pPr>
                       <a:r>
-                        <a:rPr lang="en-US" sz="1200" dirty="0">
+                        <a:rPr lang="ja-jp" sz="1200" dirty="0">
                           <a:solidFill>
                             <a:srgbClr val="5F5F5F"/>
                           </a:solidFill>
@@ -13099,7 +12758,7 @@
                             </a:extLst>
                           </a:hlinkClick>
                         </a:rPr>
-                        <a:t>Production Issues &amp; System Outages</a:t>
+                        <a:t>생산 문제 및 시스템 중단</a:t>
                       </a:r>
                       <a:endParaRPr lang="en-US" sz="1200" dirty="0">
                         <a:solidFill>
@@ -13183,7 +12842,7 @@
                         <a:defRPr/>
                       </a:pPr>
                       <a:r>
-                        <a:rPr lang="en-US" sz="1000" kern="1200" dirty="0">
+                        <a:rPr lang="ja-jp" sz="1000" kern="1200" dirty="0">
                           <a:solidFill>
                             <a:schemeClr val="tx1"/>
                           </a:solidFill>
@@ -13191,7 +12850,7 @@
                           <a:ea typeface="+mn-ea"/>
                           <a:cs typeface="+mn-cs"/>
                         </a:rPr>
-                        <a:t>Status.adobe.com conveys the health information of all Adobe products and services that are deployed in multi-tenant environments. Customers can choose their subscription preferences to get email notifications whenever Adobe creates, updates or resolves a product event. This can include scheduled maintenance or service issues of varying levels of severity. </a:t>
+                        <a:t>Status.adobe.com은 다중 테넌트 환경에 배포된 모든 Adobe 제품 및 서비스의 상태 정보를 전달합니다.고객은 구독 기본 설정을 선택하여 Adobe가 제품 이벤트를 생성 업데이트 또는 해결할 때마다 이메일 알림을 받을 수 있습니다.여기에는 예정된 유지 관리 또는 다양한 심각도 수준의 서비스 문제가 포함될 수 있습니다.</a:t>
                       </a:r>
                     </a:p>
                   </a:txBody>
@@ -13273,7 +12932,7 @@
                         <a:defRPr/>
                       </a:pPr>
                       <a:r>
-                        <a:rPr lang="en-US" sz="1200" dirty="0">
+                        <a:rPr lang="ja-jp" sz="1200" dirty="0">
                           <a:solidFill>
                             <a:srgbClr val="5F5F5F"/>
                           </a:solidFill>
@@ -13289,7 +12948,7 @@
                             </a:extLst>
                           </a:hlinkClick>
                         </a:rPr>
-                        <a:t>Terms and Conditions</a:t>
+                        <a:t>약관</a:t>
                       </a:r>
                       <a:endParaRPr lang="en-US" sz="1200" dirty="0">
                         <a:solidFill>
@@ -13356,7 +13015,7 @@
                     <a:lstStyle/>
                     <a:p>
                       <a:r>
-                        <a:rPr lang="en-US" sz="1000" kern="1200" dirty="0">
+                        <a:rPr lang="ja-jp" sz="1000" kern="1200" dirty="0">
                           <a:solidFill>
                             <a:schemeClr val="tx1"/>
                           </a:solidFill>
@@ -13364,7 +13023,7 @@
                           <a:ea typeface="+mn-ea"/>
                           <a:cs typeface="+mn-cs"/>
                         </a:rPr>
-                        <a:t>Terms and conditions detailing Support Services offerings.</a:t>
+                        <a:t>지원 서비스 제공 사항을 자세히 설명하는 약관입니다.</a:t>
                       </a:r>
                     </a:p>
                   </a:txBody>
@@ -14071,21 +13730,6 @@
 </file>
 
 <file path=customXml/item1.xml><?xml version="1.0" encoding="utf-8"?>
-<?mso-contentType ?>
-<FormTemplates xmlns="http://schemas.microsoft.com/sharepoint/v3/contenttype/forms">
-  <Display>DocumentLibraryForm</Display>
-  <Edit>DocumentLibraryForm</Edit>
-  <New>DocumentLibraryForm</New>
-</FormTemplates>
-</file>
-
-<file path=customXml/item2.xml><?xml version="1.0" encoding="utf-8"?>
-<p:properties xmlns:p="http://schemas.microsoft.com/office/2006/metadata/properties" xmlns:xsi="http://www.w3.org/2001/XMLSchema-instance" xmlns:pc="http://schemas.microsoft.com/office/infopath/2007/PartnerControls">
-  <documentManagement/>
-</p:properties>
-</file>
-
-<file path=customXml/item3.xml><?xml version="1.0" encoding="utf-8"?>
 <ct:contentTypeSchema xmlns:ct="http://schemas.microsoft.com/office/2006/metadata/contentType" xmlns:ma="http://schemas.microsoft.com/office/2006/metadata/properties/metaAttributes" ct:_="" ma:_="" ma:contentTypeName="Document" ma:contentTypeID="0x0101009423269C2B3A1A408FE719AA0C68584E" ma:contentTypeVersion="12" ma:contentTypeDescription="Create a new document." ma:contentTypeScope="" ma:versionID="bb0e62b6784238cdabe687d3bb80e52e">
   <xsd:schema xmlns:xsd="http://www.w3.org/2001/XMLSchema" xmlns:xs="http://www.w3.org/2001/XMLSchema" xmlns:p="http://schemas.microsoft.com/office/2006/metadata/properties" xmlns:ns2="01e63850-2818-4a9f-a0cd-2d4201ad5cd5" xmlns:ns3="281057cd-4f7e-4aa3-94a7-05201549cd15" targetNamespace="http://schemas.microsoft.com/office/2006/metadata/properties" ma:root="true" ma:fieldsID="8056aed6c30138b1a2c5f47f967a193a" ns2:_="" ns3:_="">
     <xsd:import namespace="01e63850-2818-4a9f-a0cd-2d4201ad5cd5"/>
@@ -14302,10 +13946,36 @@
 </ct:contentTypeSchema>
 </file>
 
+<file path=customXml/item2.xml><?xml version="1.0" encoding="utf-8"?>
+<p:properties xmlns:p="http://schemas.microsoft.com/office/2006/metadata/properties" xmlns:xsi="http://www.w3.org/2001/XMLSchema-instance" xmlns:pc="http://schemas.microsoft.com/office/infopath/2007/PartnerControls">
+  <documentManagement/>
+</p:properties>
+</file>
+
+<file path=customXml/item3.xml><?xml version="1.0" encoding="utf-8"?>
+<?mso-contentType ?>
+<FormTemplates xmlns="http://schemas.microsoft.com/sharepoint/v3/contenttype/forms">
+  <Display>DocumentLibraryForm</Display>
+  <Edit>DocumentLibraryForm</Edit>
+  <New>DocumentLibraryForm</New>
+</FormTemplates>
+</file>
+
 <file path=customXml/itemProps1.xml><?xml version="1.0" encoding="utf-8"?>
-<ds:datastoreItem xmlns:ds="http://schemas.openxmlformats.org/officeDocument/2006/customXml" ds:itemID="{95AE3B0B-E909-400C-B0B3-909FB50E07DE}">
+<ds:datastoreItem xmlns:ds="http://schemas.openxmlformats.org/officeDocument/2006/customXml" ds:itemID="{34D96EB5-5D0B-4E9E-8068-E6D7C70133E7}">
   <ds:schemaRefs>
-    <ds:schemaRef ds:uri="http://schemas.microsoft.com/sharepoint/v3/contenttype/forms"/>
+    <ds:schemaRef ds:uri="http://schemas.microsoft.com/office/2006/metadata/contentType"/>
+    <ds:schemaRef ds:uri="http://schemas.microsoft.com/office/2006/metadata/properties/metaAttributes"/>
+    <ds:schemaRef ds:uri="http://www.w3.org/2001/XMLSchema"/>
+    <ds:schemaRef ds:uri="http://schemas.microsoft.com/office/2006/metadata/properties"/>
+    <ds:schemaRef ds:uri="01e63850-2818-4a9f-a0cd-2d4201ad5cd5"/>
+    <ds:schemaRef ds:uri="281057cd-4f7e-4aa3-94a7-05201549cd15"/>
+    <ds:schemaRef ds:uri="http://schemas.microsoft.com/office/2006/documentManagement/types"/>
+    <ds:schemaRef ds:uri="http://schemas.microsoft.com/office/infopath/2007/PartnerControls"/>
+    <ds:schemaRef ds:uri="http://schemas.openxmlformats.org/package/2006/metadata/core-properties"/>
+    <ds:schemaRef ds:uri="http://purl.org/dc/elements/1.1/"/>
+    <ds:schemaRef ds:uri="http://purl.org/dc/terms/"/>
+    <ds:schemaRef ds:uri="http://schemas.microsoft.com/internal/obd"/>
   </ds:schemaRefs>
 </ds:datastoreItem>
 </file>
@@ -14328,20 +13998,9 @@
 </file>
 
 <file path=customXml/itemProps3.xml><?xml version="1.0" encoding="utf-8"?>
-<ds:datastoreItem xmlns:ds="http://schemas.openxmlformats.org/officeDocument/2006/customXml" ds:itemID="{34D96EB5-5D0B-4E9E-8068-E6D7C70133E7}">
+<ds:datastoreItem xmlns:ds="http://schemas.openxmlformats.org/officeDocument/2006/customXml" ds:itemID="{95AE3B0B-E909-400C-B0B3-909FB50E07DE}">
   <ds:schemaRefs>
-    <ds:schemaRef ds:uri="http://schemas.microsoft.com/office/2006/metadata/contentType"/>
-    <ds:schemaRef ds:uri="http://schemas.microsoft.com/office/2006/metadata/properties/metaAttributes"/>
-    <ds:schemaRef ds:uri="http://www.w3.org/2001/XMLSchema"/>
-    <ds:schemaRef ds:uri="http://schemas.microsoft.com/office/2006/metadata/properties"/>
-    <ds:schemaRef ds:uri="01e63850-2818-4a9f-a0cd-2d4201ad5cd5"/>
-    <ds:schemaRef ds:uri="281057cd-4f7e-4aa3-94a7-05201549cd15"/>
-    <ds:schemaRef ds:uri="http://schemas.microsoft.com/office/2006/documentManagement/types"/>
-    <ds:schemaRef ds:uri="http://schemas.microsoft.com/office/infopath/2007/PartnerControls"/>
-    <ds:schemaRef ds:uri="http://schemas.openxmlformats.org/package/2006/metadata/core-properties"/>
-    <ds:schemaRef ds:uri="http://purl.org/dc/elements/1.1/"/>
-    <ds:schemaRef ds:uri="http://purl.org/dc/terms/"/>
-    <ds:schemaRef ds:uri="http://schemas.microsoft.com/internal/obd"/>
+    <ds:schemaRef ds:uri="http://schemas.microsoft.com/sharepoint/v3/contenttype/forms"/>
   </ds:schemaRefs>
 </ds:datastoreItem>
 </file>